--- a/materials/slides/ch06-php-process-control.pptx
+++ b/materials/slides/ch06-php-process-control.pptx
@@ -233,7 +233,7 @@
           <a:p>
             <a:fld id="{E923E828-953C-4D4A-9B10-11E7329F433D}" type="datetimeFigureOut">
               <a:rPr lang="zh-CN" altLang="en-US" smtClean="0"/>
-              <a:t>2018/2/22</a:t>
+              <a:t>2018/2/28</a:t>
             </a:fld>
             <a:endParaRPr lang="zh-CN" altLang="en-US"/>
           </a:p>
@@ -414,7 +414,7 @@
           <a:p>
             <a:fld id="{867C5346-22E5-4085-8130-851344A84DFF}" type="datetimeFigureOut">
               <a:rPr lang="zh-CN" altLang="en-US" smtClean="0"/>
-              <a:t>2018/2/22</a:t>
+              <a:t>2018/2/28</a:t>
             </a:fld>
             <a:endParaRPr lang="zh-CN" altLang="en-US"/>
           </a:p>
@@ -2016,7 +2016,7 @@
           <a:p>
             <a:fld id="{A5E21016-498F-4141-B0CA-D95A38CA7D62}" type="datetimeFigureOut">
               <a:rPr lang="zh-CN" altLang="en-US" smtClean="0"/>
-              <a:t>2018/2/22</a:t>
+              <a:t>2018/2/28</a:t>
             </a:fld>
             <a:endParaRPr lang="zh-CN" altLang="en-US"/>
           </a:p>
@@ -2246,7 +2246,7 @@
           <a:p>
             <a:fld id="{A5E21016-498F-4141-B0CA-D95A38CA7D62}" type="datetimeFigureOut">
               <a:rPr lang="zh-CN" altLang="en-US" smtClean="0"/>
-              <a:t>2018/2/22</a:t>
+              <a:t>2018/2/28</a:t>
             </a:fld>
             <a:endParaRPr lang="zh-CN" altLang="en-US"/>
           </a:p>
@@ -2481,7 +2481,7 @@
           <a:p>
             <a:fld id="{A5E21016-498F-4141-B0CA-D95A38CA7D62}" type="datetimeFigureOut">
               <a:rPr lang="zh-CN" altLang="en-US" smtClean="0"/>
-              <a:t>2018/2/22</a:t>
+              <a:t>2018/2/28</a:t>
             </a:fld>
             <a:endParaRPr lang="zh-CN" altLang="en-US"/>
           </a:p>
@@ -3043,7 +3043,7 @@
           <a:p>
             <a:fld id="{A5E21016-498F-4141-B0CA-D95A38CA7D62}" type="datetimeFigureOut">
               <a:rPr lang="zh-CN" altLang="en-US" smtClean="0"/>
-              <a:t>2018/2/22</a:t>
+              <a:t>2018/2/28</a:t>
             </a:fld>
             <a:endParaRPr lang="zh-CN" altLang="en-US"/>
           </a:p>
@@ -3340,7 +3340,7 @@
           <a:p>
             <a:fld id="{A5E21016-498F-4141-B0CA-D95A38CA7D62}" type="datetimeFigureOut">
               <a:rPr lang="zh-CN" altLang="en-US" smtClean="0"/>
-              <a:t>2018/2/22</a:t>
+              <a:t>2018/2/28</a:t>
             </a:fld>
             <a:endParaRPr lang="zh-CN" altLang="en-US"/>
           </a:p>
@@ -3779,7 +3779,7 @@
           <a:p>
             <a:fld id="{A5E21016-498F-4141-B0CA-D95A38CA7D62}" type="datetimeFigureOut">
               <a:rPr lang="zh-CN" altLang="en-US" smtClean="0"/>
-              <a:t>2018/2/22</a:t>
+              <a:t>2018/2/28</a:t>
             </a:fld>
             <a:endParaRPr lang="zh-CN" altLang="en-US"/>
           </a:p>
@@ -3952,7 +3952,7 @@
           <a:p>
             <a:fld id="{A5E21016-498F-4141-B0CA-D95A38CA7D62}" type="datetimeFigureOut">
               <a:rPr lang="zh-CN" altLang="en-US" smtClean="0"/>
-              <a:t>2018/2/22</a:t>
+              <a:t>2018/2/28</a:t>
             </a:fld>
             <a:endParaRPr lang="zh-CN" altLang="en-US"/>
           </a:p>
@@ -4089,7 +4089,7 @@
           <a:p>
             <a:fld id="{A5E21016-498F-4141-B0CA-D95A38CA7D62}" type="datetimeFigureOut">
               <a:rPr lang="zh-CN" altLang="en-US" smtClean="0"/>
-              <a:t>2018/2/22</a:t>
+              <a:t>2018/2/28</a:t>
             </a:fld>
             <a:endParaRPr lang="zh-CN" altLang="en-US"/>
           </a:p>
@@ -4427,7 +4427,7 @@
           <a:p>
             <a:fld id="{A5E21016-498F-4141-B0CA-D95A38CA7D62}" type="datetimeFigureOut">
               <a:rPr lang="zh-CN" altLang="en-US" smtClean="0"/>
-              <a:t>2018/2/22</a:t>
+              <a:t>2018/2/28</a:t>
             </a:fld>
             <a:endParaRPr lang="zh-CN" altLang="en-US"/>
           </a:p>
@@ -4742,7 +4742,7 @@
           <a:p>
             <a:fld id="{A5E21016-498F-4141-B0CA-D95A38CA7D62}" type="datetimeFigureOut">
               <a:rPr lang="zh-CN" altLang="en-US" smtClean="0"/>
-              <a:t>2018/2/22</a:t>
+              <a:t>2018/2/28</a:t>
             </a:fld>
             <a:endParaRPr lang="zh-CN" altLang="en-US"/>
           </a:p>
@@ -5341,7 +5341,7 @@
         <p:spPr>
           <a:xfrm>
             <a:off x="672483" y="1012055"/>
-            <a:ext cx="10847034" cy="5170646"/>
+            <a:ext cx="10847034" cy="4893647"/>
           </a:xfrm>
           <a:prstGeom prst="rect">
             <a:avLst/>
@@ -5356,11 +5356,19 @@
           <a:p>
             <a:r>
               <a:rPr lang="en-US" altLang="zh-CN" sz="3200" dirty="0"/>
+              <a:t>Linux</a:t>
+            </a:r>
+            <a:r>
+              <a:rPr lang="zh-CN" altLang="en-US" sz="3200" dirty="0"/>
+              <a:t>平台</a:t>
+            </a:r>
+            <a:r>
+              <a:rPr lang="en-US" altLang="zh-CN" sz="3200" dirty="0"/>
               <a:t>PHP</a:t>
             </a:r>
             <a:r>
               <a:rPr lang="zh-CN" altLang="en-US" sz="3200" dirty="0"/>
-              <a:t>底层开发 </a:t>
+              <a:t>服务端开发</a:t>
             </a:r>
             <a:r>
               <a:rPr lang="en-US" altLang="zh-CN" sz="3200" dirty="0"/>
@@ -5381,73 +5389,47 @@
           </a:p>
           <a:p>
             <a:pPr algn="ctr"/>
-            <a:r>
-              <a:rPr lang="en-US" altLang="zh-CN" dirty="0">
-                <a:solidFill>
-                  <a:schemeClr val="tx1">
-                    <a:lumMod val="50000"/>
-                    <a:lumOff val="50000"/>
-                  </a:schemeClr>
-                </a:solidFill>
-              </a:rPr>
-              <a:t>1  0  0  1</a:t>
-            </a:r>
+            <a:endParaRPr lang="en-US" altLang="zh-CN" dirty="0">
+              <a:solidFill>
+                <a:schemeClr val="tx1">
+                  <a:lumMod val="50000"/>
+                  <a:lumOff val="50000"/>
+                </a:schemeClr>
+              </a:solidFill>
+            </a:endParaRPr>
           </a:p>
           <a:p>
             <a:pPr algn="ctr"/>
-            <a:r>
-              <a:rPr lang="en-US" altLang="zh-CN" dirty="0">
-                <a:solidFill>
-                  <a:schemeClr val="tx1">
-                    <a:lumMod val="50000"/>
-                    <a:lumOff val="50000"/>
-                  </a:schemeClr>
-                </a:solidFill>
-              </a:rPr>
-              <a:t>0  1  1  0</a:t>
-            </a:r>
+            <a:endParaRPr lang="en-US" altLang="zh-CN" dirty="0">
+              <a:solidFill>
+                <a:schemeClr val="tx1">
+                  <a:lumMod val="50000"/>
+                  <a:lumOff val="50000"/>
+                </a:schemeClr>
+              </a:solidFill>
+            </a:endParaRPr>
           </a:p>
           <a:p>
             <a:pPr algn="ctr"/>
-            <a:r>
-              <a:rPr lang="en-US" altLang="zh-CN" dirty="0">
-                <a:solidFill>
-                  <a:schemeClr val="tx1">
-                    <a:lumMod val="50000"/>
-                    <a:lumOff val="50000"/>
-                  </a:schemeClr>
-                </a:solidFill>
-              </a:rPr>
-              <a:t>1  0  0  1</a:t>
-            </a:r>
+            <a:endParaRPr lang="en-US" altLang="zh-CN">
+              <a:solidFill>
+                <a:schemeClr val="tx1">
+                  <a:lumMod val="50000"/>
+                  <a:lumOff val="50000"/>
+                </a:schemeClr>
+              </a:solidFill>
+            </a:endParaRPr>
           </a:p>
           <a:p>
             <a:pPr algn="ctr"/>
-            <a:r>
-              <a:rPr lang="en-US" altLang="zh-CN" dirty="0">
-                <a:solidFill>
-                  <a:schemeClr val="tx1">
-                    <a:lumMod val="50000"/>
-                    <a:lumOff val="50000"/>
-                  </a:schemeClr>
-                </a:solidFill>
-              </a:rPr>
-              <a:t>0  1  1  0</a:t>
-            </a:r>
-          </a:p>
-          <a:p>
-            <a:pPr algn="ctr"/>
-            <a:r>
-              <a:rPr lang="en-US" altLang="zh-CN" dirty="0">
-                <a:solidFill>
-                  <a:schemeClr val="tx1">
-                    <a:lumMod val="50000"/>
-                    <a:lumOff val="50000"/>
-                  </a:schemeClr>
-                </a:solidFill>
-              </a:rPr>
-              <a:t>1  0  0  1</a:t>
-            </a:r>
+            <a:endParaRPr lang="en-US" altLang="zh-CN" dirty="0">
+              <a:solidFill>
+                <a:schemeClr val="tx1">
+                  <a:lumMod val="50000"/>
+                  <a:lumOff val="50000"/>
+                </a:schemeClr>
+              </a:solidFill>
+            </a:endParaRPr>
           </a:p>
           <a:p>
             <a:pPr algn="ctr"/>
@@ -5464,7 +5446,7 @@
               <a:t>PHP</a:t>
             </a:r>
             <a:r>
-              <a:rPr lang="zh-CN" altLang="en-US" sz="2800"/>
+              <a:rPr lang="zh-CN" altLang="en-US" sz="2800" dirty="0"/>
               <a:t>命令行与进程控制</a:t>
             </a:r>
             <a:endParaRPr lang="en-US" altLang="zh-CN" sz="2800" dirty="0"/>
@@ -5483,61 +5465,6 @@
           </a:p>
           <a:p>
             <a:endParaRPr lang="en-US" altLang="zh-CN" dirty="0"/>
-          </a:p>
-        </p:txBody>
-      </p:sp>
-      <p:sp>
-        <p:nvSpPr>
-          <p:cNvPr id="4" name="云形 3">
-            <a:extLst>
-              <a:ext uri="{FF2B5EF4-FFF2-40B4-BE49-F238E27FC236}">
-                <a16:creationId xmlns:a16="http://schemas.microsoft.com/office/drawing/2014/main" id="{FB93CA04-9A10-4FDC-B520-5825D0C2A77A}"/>
-              </a:ext>
-            </a:extLst>
-          </p:cNvPr>
-          <p:cNvSpPr/>
-          <p:nvPr/>
-        </p:nvSpPr>
-        <p:spPr>
-          <a:xfrm>
-            <a:off x="4685710" y="1632582"/>
-            <a:ext cx="2521259" cy="1020932"/>
-          </a:xfrm>
-          <a:prstGeom prst="cloud">
-            <a:avLst/>
-          </a:prstGeom>
-          <a:noFill/>
-          <a:ln>
-            <a:solidFill>
-              <a:schemeClr val="tx1">
-                <a:lumMod val="65000"/>
-                <a:lumOff val="35000"/>
-              </a:schemeClr>
-            </a:solidFill>
-          </a:ln>
-        </p:spPr>
-        <p:style>
-          <a:lnRef idx="2">
-            <a:schemeClr val="accent1">
-              <a:shade val="50000"/>
-            </a:schemeClr>
-          </a:lnRef>
-          <a:fillRef idx="1">
-            <a:schemeClr val="accent1"/>
-          </a:fillRef>
-          <a:effectRef idx="0">
-            <a:schemeClr val="accent1"/>
-          </a:effectRef>
-          <a:fontRef idx="minor">
-            <a:schemeClr val="lt1"/>
-          </a:fontRef>
-        </p:style>
-        <p:txBody>
-          <a:bodyPr rtlCol="0" anchor="ctr"/>
-          <a:lstStyle/>
-          <a:p>
-            <a:pPr algn="ctr"/>
-            <a:endParaRPr lang="zh-CN" altLang="en-US"/>
           </a:p>
         </p:txBody>
       </p:sp>
@@ -5641,6 +5568,9 @@
             <a:endParaRPr lang="en-US" altLang="zh-CN" sz="2000" dirty="0"/>
           </a:p>
           <a:p>
+            <a:endParaRPr lang="en-US" altLang="zh-CN" sz="2000" dirty="0"/>
+          </a:p>
+          <a:p>
             <a:r>
               <a:rPr lang="zh-CN" altLang="en-US" sz="2000" dirty="0"/>
               <a:t>信号是内核产生的，而生成信号的请求来自三个地方：</a:t>
@@ -5694,6 +5624,9 @@
               <a:t>向其他进程发送信号。</a:t>
             </a:r>
             <a:endParaRPr lang="en-US" altLang="zh-CN" sz="1800" dirty="0"/>
+          </a:p>
+          <a:p>
+            <a:endParaRPr lang="en-US" altLang="zh-CN" sz="2000" dirty="0"/>
           </a:p>
           <a:p>
             <a:r>
@@ -5847,6 +5780,9 @@
             <a:endParaRPr lang="en-US" altLang="zh-CN" sz="2000" dirty="0"/>
           </a:p>
           <a:p>
+            <a:endParaRPr lang="en-US" altLang="zh-CN" sz="2000" dirty="0"/>
+          </a:p>
+          <a:p>
             <a:r>
               <a:rPr lang="zh-CN" altLang="en-US" sz="2000" dirty="0"/>
               <a:t>使用</a:t>
@@ -5875,6 +5811,9 @@
               <a:rPr lang="zh-CN" altLang="en-US" sz="2000" dirty="0"/>
               <a:t>是信号的数值。</a:t>
             </a:r>
+            <a:endParaRPr lang="en-US" altLang="zh-CN" sz="2000" dirty="0"/>
+          </a:p>
+          <a:p>
             <a:endParaRPr lang="en-US" altLang="zh-CN" sz="2000" dirty="0"/>
           </a:p>
           <a:p>
@@ -5977,6 +5916,9 @@
               <a:t>进程间通信使用，用户可以自定义。</a:t>
             </a:r>
             <a:endParaRPr lang="en-US" altLang="zh-CN" sz="1600" dirty="0"/>
+          </a:p>
+          <a:p>
+            <a:endParaRPr lang="en-US" altLang="zh-CN" sz="2000" dirty="0"/>
           </a:p>
           <a:p>
             <a:r>
@@ -6109,9 +6051,16 @@
             <a:endParaRPr lang="en-US" altLang="zh-CN" sz="2000" dirty="0"/>
           </a:p>
           <a:p>
-            <a:r>
-              <a:rPr lang="zh-CN" altLang="en-US" sz="2000" dirty="0"/>
-              <a:t>目前的</a:t>
+            <a:endParaRPr lang="en-US" altLang="zh-CN" sz="2000"/>
+          </a:p>
+          <a:p>
+            <a:r>
+              <a:rPr lang="zh-CN" altLang="en-US" sz="2000"/>
+              <a:t>目前</a:t>
+            </a:r>
+            <a:r>
+              <a:rPr lang="zh-CN" altLang="en-US" sz="2000" dirty="0"/>
+              <a:t>的</a:t>
             </a:r>
             <a:r>
               <a:rPr lang="en-US" altLang="zh-CN" sz="2000" dirty="0"/>
@@ -6153,6 +6102,9 @@
               <a:rPr lang="zh-CN" altLang="en-US" sz="2000" dirty="0"/>
               <a:t>条可计时的低级语句，就会检测有无信号事件发生。</a:t>
             </a:r>
+            <a:endParaRPr lang="en-US" altLang="zh-CN" sz="2000" dirty="0"/>
+          </a:p>
+          <a:p>
             <a:endParaRPr lang="en-US" altLang="zh-CN" sz="2000" dirty="0"/>
           </a:p>
           <a:p>
@@ -8269,6 +8221,9 @@
             <a:endParaRPr lang="en-US" altLang="zh-CN" sz="2000" dirty="0"/>
           </a:p>
           <a:p>
+            <a:endParaRPr lang="en-US" altLang="zh-CN" sz="2000" dirty="0"/>
+          </a:p>
+          <a:p>
             <a:r>
               <a:rPr lang="en-US" altLang="zh-CN" sz="2000" dirty="0"/>
               <a:t>PHP</a:t>
@@ -8296,14 +8251,20 @@
             <a:endParaRPr lang="en-US" altLang="zh-CN" sz="2000" dirty="0"/>
           </a:p>
           <a:p>
+            <a:endParaRPr lang="en-US" altLang="zh-CN" sz="2000" dirty="0"/>
+          </a:p>
+          <a:p>
             <a:r>
               <a:rPr lang="en-US" altLang="zh-CN" sz="2000" dirty="0"/>
               <a:t>PHP</a:t>
             </a:r>
             <a:r>
               <a:rPr lang="zh-CN" altLang="en-US" sz="2000" dirty="0"/>
-              <a:t>进行多进程处理的场景可用于服务端的一些运维、网络爬虫爬取大量数据等操作。</a:t>
-            </a:r>
+              <a:t>进行多进程处理的场景可用于服务端的一些运维操作。</a:t>
+            </a:r>
+            <a:endParaRPr lang="en-US" altLang="zh-CN" sz="2000" dirty="0"/>
+          </a:p>
+          <a:p>
             <a:endParaRPr lang="en-US" altLang="zh-CN" sz="2000" dirty="0"/>
           </a:p>
           <a:p>
@@ -8343,6 +8304,9 @@
               <a:rPr lang="zh-CN" altLang="en-US" sz="2000" dirty="0"/>
               <a:t>平台。</a:t>
             </a:r>
+            <a:endParaRPr lang="en-US" altLang="zh-CN" sz="2000" dirty="0"/>
+          </a:p>
+          <a:p>
             <a:endParaRPr lang="en-US" altLang="zh-CN" sz="2000" dirty="0"/>
           </a:p>
           <a:p>

--- a/materials/slides/ch06-php-process-control.pptx
+++ b/materials/slides/ch06-php-process-control.pptx
@@ -233,7 +233,7 @@
           <a:p>
             <a:fld id="{E923E828-953C-4D4A-9B10-11E7329F433D}" type="datetimeFigureOut">
               <a:rPr lang="zh-CN" altLang="en-US" smtClean="0"/>
-              <a:t>2018/2/28</a:t>
+              <a:t>2018/3/28</a:t>
             </a:fld>
             <a:endParaRPr lang="zh-CN" altLang="en-US"/>
           </a:p>
@@ -414,7 +414,7 @@
           <a:p>
             <a:fld id="{867C5346-22E5-4085-8130-851344A84DFF}" type="datetimeFigureOut">
               <a:rPr lang="zh-CN" altLang="en-US" smtClean="0"/>
-              <a:t>2018/2/28</a:t>
+              <a:t>2018/3/28</a:t>
             </a:fld>
             <a:endParaRPr lang="zh-CN" altLang="en-US"/>
           </a:p>
@@ -2016,7 +2016,7 @@
           <a:p>
             <a:fld id="{A5E21016-498F-4141-B0CA-D95A38CA7D62}" type="datetimeFigureOut">
               <a:rPr lang="zh-CN" altLang="en-US" smtClean="0"/>
-              <a:t>2018/2/28</a:t>
+              <a:t>2018/3/28</a:t>
             </a:fld>
             <a:endParaRPr lang="zh-CN" altLang="en-US"/>
           </a:p>
@@ -2246,7 +2246,7 @@
           <a:p>
             <a:fld id="{A5E21016-498F-4141-B0CA-D95A38CA7D62}" type="datetimeFigureOut">
               <a:rPr lang="zh-CN" altLang="en-US" smtClean="0"/>
-              <a:t>2018/2/28</a:t>
+              <a:t>2018/3/28</a:t>
             </a:fld>
             <a:endParaRPr lang="zh-CN" altLang="en-US"/>
           </a:p>
@@ -2481,7 +2481,7 @@
           <a:p>
             <a:fld id="{A5E21016-498F-4141-B0CA-D95A38CA7D62}" type="datetimeFigureOut">
               <a:rPr lang="zh-CN" altLang="en-US" smtClean="0"/>
-              <a:t>2018/2/28</a:t>
+              <a:t>2018/3/28</a:t>
             </a:fld>
             <a:endParaRPr lang="zh-CN" altLang="en-US"/>
           </a:p>
@@ -3043,7 +3043,7 @@
           <a:p>
             <a:fld id="{A5E21016-498F-4141-B0CA-D95A38CA7D62}" type="datetimeFigureOut">
               <a:rPr lang="zh-CN" altLang="en-US" smtClean="0"/>
-              <a:t>2018/2/28</a:t>
+              <a:t>2018/3/28</a:t>
             </a:fld>
             <a:endParaRPr lang="zh-CN" altLang="en-US"/>
           </a:p>
@@ -3340,7 +3340,7 @@
           <a:p>
             <a:fld id="{A5E21016-498F-4141-B0CA-D95A38CA7D62}" type="datetimeFigureOut">
               <a:rPr lang="zh-CN" altLang="en-US" smtClean="0"/>
-              <a:t>2018/2/28</a:t>
+              <a:t>2018/3/28</a:t>
             </a:fld>
             <a:endParaRPr lang="zh-CN" altLang="en-US"/>
           </a:p>
@@ -3779,7 +3779,7 @@
           <a:p>
             <a:fld id="{A5E21016-498F-4141-B0CA-D95A38CA7D62}" type="datetimeFigureOut">
               <a:rPr lang="zh-CN" altLang="en-US" smtClean="0"/>
-              <a:t>2018/2/28</a:t>
+              <a:t>2018/3/28</a:t>
             </a:fld>
             <a:endParaRPr lang="zh-CN" altLang="en-US"/>
           </a:p>
@@ -3952,7 +3952,7 @@
           <a:p>
             <a:fld id="{A5E21016-498F-4141-B0CA-D95A38CA7D62}" type="datetimeFigureOut">
               <a:rPr lang="zh-CN" altLang="en-US" smtClean="0"/>
-              <a:t>2018/2/28</a:t>
+              <a:t>2018/3/28</a:t>
             </a:fld>
             <a:endParaRPr lang="zh-CN" altLang="en-US"/>
           </a:p>
@@ -4089,7 +4089,7 @@
           <a:p>
             <a:fld id="{A5E21016-498F-4141-B0CA-D95A38CA7D62}" type="datetimeFigureOut">
               <a:rPr lang="zh-CN" altLang="en-US" smtClean="0"/>
-              <a:t>2018/2/28</a:t>
+              <a:t>2018/3/28</a:t>
             </a:fld>
             <a:endParaRPr lang="zh-CN" altLang="en-US"/>
           </a:p>
@@ -4427,7 +4427,7 @@
           <a:p>
             <a:fld id="{A5E21016-498F-4141-B0CA-D95A38CA7D62}" type="datetimeFigureOut">
               <a:rPr lang="zh-CN" altLang="en-US" smtClean="0"/>
-              <a:t>2018/2/28</a:t>
+              <a:t>2018/3/28</a:t>
             </a:fld>
             <a:endParaRPr lang="zh-CN" altLang="en-US"/>
           </a:p>
@@ -4742,7 +4742,7 @@
           <a:p>
             <a:fld id="{A5E21016-498F-4141-B0CA-D95A38CA7D62}" type="datetimeFigureOut">
               <a:rPr lang="zh-CN" altLang="en-US" smtClean="0"/>
-              <a:t>2018/2/28</a:t>
+              <a:t>2018/3/28</a:t>
             </a:fld>
             <a:endParaRPr lang="zh-CN" altLang="en-US"/>
           </a:p>
@@ -5562,105 +5562,105 @@
           <a:lstStyle/>
           <a:p>
             <a:r>
+              <a:rPr lang="zh-CN" altLang="en-US" sz="2400" dirty="0"/>
+              <a:t>信号是软件中断。很多比较重要的应用程序都需处理信号。信号提供了一种处理异步事件的方法：终端用户键入中断组合键，则会通过信号机制停止一个程序。</a:t>
+            </a:r>
+            <a:endParaRPr lang="en-US" altLang="zh-CN" sz="2400" dirty="0"/>
+          </a:p>
+          <a:p>
+            <a:endParaRPr lang="en-US" altLang="zh-CN" sz="2400" dirty="0"/>
+          </a:p>
+          <a:p>
+            <a:r>
+              <a:rPr lang="zh-CN" altLang="en-US" sz="2400" dirty="0"/>
+              <a:t>信号是内核产生的，而生成信号的请求来自三个地方：</a:t>
+            </a:r>
+            <a:endParaRPr lang="en-US" altLang="zh-CN" sz="2400" dirty="0"/>
+          </a:p>
+          <a:p>
+            <a:pPr lvl="1"/>
+            <a:r>
               <a:rPr lang="zh-CN" altLang="en-US" sz="2000" dirty="0"/>
-              <a:t>信号是软件中断。很多比较重要的应用程序都需处理信号。信号提供了一种处理异步事件的方法：终端用户键入中断组合键，则会通过信号机制停止一个程序。</a:t>
+              <a:t>用户：通过</a:t>
+            </a:r>
+            <a:r>
+              <a:rPr lang="en-US" altLang="zh-CN" sz="2000" dirty="0" err="1"/>
+              <a:t>Ctrl+C</a:t>
+            </a:r>
+            <a:r>
+              <a:rPr lang="zh-CN" altLang="en-US" sz="2000" dirty="0"/>
+              <a:t>、</a:t>
+            </a:r>
+            <a:r>
+              <a:rPr lang="en-US" altLang="zh-CN" sz="2000" dirty="0"/>
+              <a:t>Ctrl+\</a:t>
+            </a:r>
+            <a:r>
+              <a:rPr lang="zh-CN" altLang="en-US" sz="2000" dirty="0"/>
+              <a:t>等产生的信号。</a:t>
             </a:r>
             <a:endParaRPr lang="en-US" altLang="zh-CN" sz="2000" dirty="0"/>
           </a:p>
           <a:p>
+            <a:pPr lvl="1"/>
+            <a:r>
+              <a:rPr lang="zh-CN" altLang="en-US" sz="2000" dirty="0"/>
+              <a:t>内核：进程出错，内核向进程发送特定信号。</a:t>
+            </a:r>
             <a:endParaRPr lang="en-US" altLang="zh-CN" sz="2000" dirty="0"/>
           </a:p>
           <a:p>
+            <a:pPr lvl="1"/>
             <a:r>
               <a:rPr lang="zh-CN" altLang="en-US" sz="2000" dirty="0"/>
-              <a:t>信号是内核产生的，而生成信号的请求来自三个地方：</a:t>
+              <a:t>进程：通过系统调用</a:t>
+            </a:r>
+            <a:r>
+              <a:rPr lang="en-US" altLang="zh-CN" sz="2000" dirty="0"/>
+              <a:t>kill</a:t>
+            </a:r>
+            <a:r>
+              <a:rPr lang="zh-CN" altLang="en-US" sz="2000" dirty="0"/>
+              <a:t>向其他进程发送信号。</a:t>
             </a:r>
             <a:endParaRPr lang="en-US" altLang="zh-CN" sz="2000" dirty="0"/>
           </a:p>
           <a:p>
-            <a:pPr lvl="1"/>
-            <a:r>
-              <a:rPr lang="zh-CN" altLang="en-US" sz="1800" dirty="0"/>
-              <a:t>用户：通过</a:t>
-            </a:r>
-            <a:r>
-              <a:rPr lang="en-US" altLang="zh-CN" sz="1800" dirty="0" err="1"/>
-              <a:t>Ctrl+C</a:t>
-            </a:r>
-            <a:r>
-              <a:rPr lang="zh-CN" altLang="en-US" sz="1800" dirty="0"/>
-              <a:t>、</a:t>
-            </a:r>
-            <a:r>
-              <a:rPr lang="en-US" altLang="zh-CN" sz="1800" dirty="0"/>
-              <a:t>Ctrl+\</a:t>
-            </a:r>
-            <a:r>
-              <a:rPr lang="zh-CN" altLang="en-US" sz="1800" dirty="0"/>
-              <a:t>等产生的信号。</a:t>
-            </a:r>
-            <a:endParaRPr lang="en-US" altLang="zh-CN" sz="1800" dirty="0"/>
-          </a:p>
-          <a:p>
-            <a:pPr lvl="1"/>
-            <a:r>
-              <a:rPr lang="zh-CN" altLang="en-US" sz="1800" dirty="0"/>
-              <a:t>内核：进程出错，内核向进程发送特定信号。</a:t>
-            </a:r>
-            <a:endParaRPr lang="en-US" altLang="zh-CN" sz="1800" dirty="0"/>
-          </a:p>
-          <a:p>
-            <a:pPr lvl="1"/>
-            <a:r>
-              <a:rPr lang="zh-CN" altLang="en-US" sz="1800" dirty="0"/>
-              <a:t>进程：通过系统调用</a:t>
-            </a:r>
-            <a:r>
-              <a:rPr lang="en-US" altLang="zh-CN" sz="1800" dirty="0"/>
-              <a:t>kill</a:t>
-            </a:r>
-            <a:r>
-              <a:rPr lang="zh-CN" altLang="en-US" sz="1800" dirty="0"/>
-              <a:t>向其他进程发送信号。</a:t>
-            </a:r>
-            <a:endParaRPr lang="en-US" altLang="zh-CN" sz="1800" dirty="0"/>
-          </a:p>
-          <a:p>
-            <a:endParaRPr lang="en-US" altLang="zh-CN" sz="2000" dirty="0"/>
-          </a:p>
-          <a:p>
-            <a:r>
-              <a:rPr lang="zh-CN" altLang="en-US" sz="2000" dirty="0"/>
+            <a:endParaRPr lang="en-US" altLang="zh-CN" sz="2400" dirty="0"/>
+          </a:p>
+          <a:p>
+            <a:r>
+              <a:rPr lang="zh-CN" altLang="en-US" sz="2400" dirty="0"/>
               <a:t>信号都有一个名称，在</a:t>
             </a:r>
             <a:r>
-              <a:rPr lang="en-US" altLang="zh-CN" sz="2000" dirty="0"/>
+              <a:rPr lang="en-US" altLang="zh-CN" sz="2400" dirty="0"/>
               <a:t>Linux C</a:t>
             </a:r>
             <a:r>
-              <a:rPr lang="zh-CN" altLang="en-US" sz="2000" dirty="0"/>
+              <a:rPr lang="zh-CN" altLang="en-US" sz="2400" dirty="0"/>
               <a:t>编程引入的头文件中，是一个整数值，</a:t>
             </a:r>
             <a:r>
-              <a:rPr lang="en-US" altLang="zh-CN" sz="2000" dirty="0"/>
+              <a:rPr lang="en-US" altLang="zh-CN" sz="2400" dirty="0"/>
               <a:t>SIGINT</a:t>
             </a:r>
             <a:r>
-              <a:rPr lang="zh-CN" altLang="en-US" sz="2000" dirty="0"/>
+              <a:rPr lang="zh-CN" altLang="en-US" sz="2400" dirty="0"/>
               <a:t>，</a:t>
             </a:r>
             <a:r>
-              <a:rPr lang="en-US" altLang="zh-CN" sz="2000" dirty="0"/>
+              <a:rPr lang="en-US" altLang="zh-CN" sz="2400" dirty="0"/>
               <a:t>SIGTERM</a:t>
             </a:r>
             <a:r>
-              <a:rPr lang="zh-CN" altLang="en-US" sz="2000" dirty="0"/>
+              <a:rPr lang="zh-CN" altLang="en-US" sz="2400" dirty="0"/>
               <a:t>等名称是一个宏定义。</a:t>
             </a:r>
-            <a:endParaRPr lang="en-US" altLang="zh-CN" sz="2000" dirty="0"/>
-          </a:p>
-          <a:p>
-            <a:endParaRPr lang="en-US" altLang="zh-CN" sz="2000" dirty="0"/>
+            <a:endParaRPr lang="en-US" altLang="zh-CN" sz="2400" dirty="0"/>
+          </a:p>
+          <a:p>
+            <a:endParaRPr lang="en-US" altLang="zh-CN" sz="2400" dirty="0"/>
           </a:p>
         </p:txBody>
       </p:sp>
@@ -5765,179 +5765,173 @@
         </p:spPr>
         <p:txBody>
           <a:bodyPr>
-            <a:normAutofit/>
+            <a:noAutofit/>
           </a:bodyPr>
           <a:lstStyle/>
           <a:p>
             <a:r>
-              <a:rPr lang="en-US" altLang="zh-CN" sz="2000" dirty="0"/>
+              <a:rPr lang="en-US" altLang="zh-CN" sz="2400" dirty="0"/>
               <a:t>kill  -l</a:t>
             </a:r>
             <a:r>
-              <a:rPr lang="zh-CN" altLang="en-US" sz="2000" dirty="0"/>
+              <a:rPr lang="zh-CN" altLang="en-US" sz="2400" dirty="0"/>
               <a:t>会列出所有的信号类型。</a:t>
             </a:r>
-            <a:endParaRPr lang="en-US" altLang="zh-CN" sz="2000" dirty="0"/>
-          </a:p>
-          <a:p>
-            <a:endParaRPr lang="en-US" altLang="zh-CN" sz="2000" dirty="0"/>
-          </a:p>
-          <a:p>
-            <a:r>
-              <a:rPr lang="zh-CN" altLang="en-US" sz="2000" dirty="0"/>
+            <a:endParaRPr lang="en-US" altLang="zh-CN" sz="2400" dirty="0"/>
+          </a:p>
+          <a:p>
+            <a:r>
+              <a:rPr lang="zh-CN" altLang="en-US" sz="2400" dirty="0"/>
               <a:t>使用</a:t>
             </a:r>
             <a:r>
-              <a:rPr lang="en-US" altLang="zh-CN" sz="2000" dirty="0"/>
+              <a:rPr lang="en-US" altLang="zh-CN" sz="2400" dirty="0"/>
               <a:t>kill –N PID</a:t>
             </a:r>
             <a:r>
-              <a:rPr lang="zh-CN" altLang="en-US" sz="2000" dirty="0"/>
+              <a:rPr lang="zh-CN" altLang="en-US" sz="2400" dirty="0"/>
               <a:t>向进程</a:t>
             </a:r>
             <a:r>
-              <a:rPr lang="en-US" altLang="zh-CN" sz="2000" dirty="0"/>
+              <a:rPr lang="en-US" altLang="zh-CN" sz="2400" dirty="0"/>
               <a:t>PID</a:t>
             </a:r>
             <a:r>
-              <a:rPr lang="zh-CN" altLang="en-US" sz="2000" dirty="0"/>
+              <a:rPr lang="zh-CN" altLang="en-US" sz="2400" dirty="0"/>
               <a:t>发送信号，</a:t>
             </a:r>
             <a:r>
-              <a:rPr lang="en-US" altLang="zh-CN" sz="2000" dirty="0"/>
+              <a:rPr lang="en-US" altLang="zh-CN" sz="2400" dirty="0"/>
               <a:t>N</a:t>
             </a:r>
             <a:r>
-              <a:rPr lang="zh-CN" altLang="en-US" sz="2000" dirty="0"/>
+              <a:rPr lang="zh-CN" altLang="en-US" sz="2400" dirty="0"/>
               <a:t>是信号的数值。</a:t>
             </a:r>
-            <a:endParaRPr lang="en-US" altLang="zh-CN" sz="2000" dirty="0"/>
-          </a:p>
-          <a:p>
-            <a:endParaRPr lang="en-US" altLang="zh-CN" sz="2000" dirty="0"/>
-          </a:p>
-          <a:p>
-            <a:r>
-              <a:rPr lang="zh-CN" altLang="en-US" sz="2000" dirty="0"/>
+            <a:endParaRPr lang="en-US" altLang="zh-CN" sz="2400" dirty="0"/>
+          </a:p>
+          <a:p>
+            <a:r>
+              <a:rPr lang="zh-CN" altLang="en-US" sz="2400" dirty="0"/>
               <a:t>一些信号的意义：</a:t>
             </a:r>
-            <a:endParaRPr lang="en-US" altLang="zh-CN" sz="2000" dirty="0"/>
+            <a:endParaRPr lang="en-US" altLang="zh-CN" sz="2400" dirty="0"/>
           </a:p>
           <a:p>
             <a:pPr marL="457200" lvl="1" indent="0">
               <a:buNone/>
             </a:pPr>
             <a:r>
-              <a:rPr lang="en-US" altLang="zh-CN" sz="1600" dirty="0"/>
+              <a:rPr lang="en-US" altLang="zh-CN" sz="2000" dirty="0"/>
               <a:t>SIGINT        </a:t>
             </a:r>
             <a:r>
-              <a:rPr lang="zh-CN" altLang="en-US" sz="1600" dirty="0"/>
+              <a:rPr lang="zh-CN" altLang="en-US" sz="2000" dirty="0"/>
               <a:t>可以被进程捕获，键盘输入</a:t>
             </a:r>
             <a:r>
-              <a:rPr lang="en-US" altLang="zh-CN" sz="1600" dirty="0" err="1"/>
+              <a:rPr lang="en-US" altLang="zh-CN" sz="2000" dirty="0" err="1"/>
               <a:t>Ctrl+C</a:t>
             </a:r>
             <a:r>
-              <a:rPr lang="zh-CN" altLang="en-US" sz="1600" dirty="0"/>
+              <a:rPr lang="zh-CN" altLang="en-US" sz="2000" dirty="0"/>
               <a:t>就会向进程发送</a:t>
             </a:r>
             <a:r>
-              <a:rPr lang="en-US" altLang="zh-CN" sz="1600" dirty="0"/>
+              <a:rPr lang="en-US" altLang="zh-CN" sz="2000" dirty="0"/>
               <a:t>SIGINT</a:t>
             </a:r>
             <a:r>
-              <a:rPr lang="zh-CN" altLang="en-US" sz="1600" dirty="0"/>
+              <a:rPr lang="zh-CN" altLang="en-US" sz="2000" dirty="0"/>
               <a:t>信号，强制中断程序。</a:t>
             </a:r>
-            <a:endParaRPr lang="en-US" altLang="zh-CN" sz="1600" dirty="0"/>
+            <a:endParaRPr lang="en-US" altLang="zh-CN" sz="2000" dirty="0"/>
           </a:p>
           <a:p>
             <a:pPr marL="457200" lvl="1" indent="0">
               <a:buNone/>
             </a:pPr>
             <a:r>
-              <a:rPr lang="en-US" altLang="zh-CN" sz="1600" dirty="0"/>
+              <a:rPr lang="en-US" altLang="zh-CN" sz="2000" dirty="0"/>
               <a:t>SIGTERM    </a:t>
             </a:r>
             <a:r>
-              <a:rPr lang="zh-CN" altLang="en-US" sz="1600" dirty="0"/>
+              <a:rPr lang="zh-CN" altLang="en-US" sz="2000" dirty="0"/>
               <a:t>可以被进程捕获，</a:t>
             </a:r>
             <a:r>
-              <a:rPr lang="en-US" altLang="zh-CN" sz="1600" dirty="0"/>
+              <a:rPr lang="en-US" altLang="zh-CN" sz="2000" dirty="0"/>
               <a:t>kill</a:t>
             </a:r>
             <a:r>
-              <a:rPr lang="zh-CN" altLang="en-US" sz="1600" dirty="0"/>
-              <a:t>命令默认的信号，进程捕获后可以做一些清理工作并退出。</a:t>
-            </a:r>
-            <a:endParaRPr lang="en-US" altLang="zh-CN" sz="1600" dirty="0"/>
+              <a:rPr lang="zh-CN" altLang="en-US" sz="2000" dirty="0"/>
+              <a:t>命令默认的信号，进程捕获可以做一些清理工作并退出。</a:t>
+            </a:r>
+            <a:endParaRPr lang="en-US" altLang="zh-CN" sz="2000" dirty="0"/>
           </a:p>
           <a:p>
             <a:pPr marL="457200" lvl="1" indent="0">
               <a:buNone/>
             </a:pPr>
             <a:r>
-              <a:rPr lang="en-US" altLang="zh-CN" sz="1600" dirty="0"/>
+              <a:rPr lang="en-US" altLang="zh-CN" sz="2000" dirty="0"/>
               <a:t>SIGKILL       </a:t>
             </a:r>
             <a:r>
-              <a:rPr lang="zh-CN" altLang="en-US" sz="1600" dirty="0"/>
-              <a:t>不可以被捕获，这可以保证进程总是可以被终止，否则进程可以捕获信号并一直运行。</a:t>
-            </a:r>
-            <a:endParaRPr lang="en-US" altLang="zh-CN" sz="1600" dirty="0"/>
+              <a:rPr lang="zh-CN" altLang="en-US" sz="2000" dirty="0"/>
+              <a:t>不可以被捕获，这可以保证进程总是可以被终止。</a:t>
+            </a:r>
+            <a:endParaRPr lang="en-US" altLang="zh-CN" sz="2000" dirty="0"/>
           </a:p>
           <a:p>
             <a:pPr marL="457200" lvl="1" indent="0">
               <a:buNone/>
             </a:pPr>
             <a:r>
-              <a:rPr lang="en-US" altLang="zh-CN" sz="1600" dirty="0"/>
+              <a:rPr lang="en-US" altLang="zh-CN" sz="2000" dirty="0"/>
               <a:t>SIGALRM    </a:t>
             </a:r>
             <a:r>
-              <a:rPr lang="zh-CN" altLang="en-US" sz="1600" dirty="0"/>
+              <a:rPr lang="zh-CN" altLang="en-US" sz="2000" dirty="0"/>
               <a:t>定时器时钟信号。</a:t>
             </a:r>
-            <a:endParaRPr lang="en-US" altLang="zh-CN" sz="1600" dirty="0"/>
+            <a:endParaRPr lang="en-US" altLang="zh-CN" sz="2000" dirty="0"/>
           </a:p>
           <a:p>
             <a:pPr marL="457200" lvl="1" indent="0">
               <a:buNone/>
             </a:pPr>
             <a:r>
-              <a:rPr lang="en-US" altLang="zh-CN" sz="1600" dirty="0"/>
+              <a:rPr lang="en-US" altLang="zh-CN" sz="2000" dirty="0"/>
               <a:t>SIGUSR1/2     </a:t>
             </a:r>
             <a:r>
-              <a:rPr lang="zh-CN" altLang="en-US" sz="1600" dirty="0"/>
+              <a:rPr lang="zh-CN" altLang="en-US" sz="2000" dirty="0"/>
               <a:t>进程间通信使用，用户可以自定义。</a:t>
             </a:r>
-            <a:endParaRPr lang="en-US" altLang="zh-CN" sz="1600" dirty="0"/>
-          </a:p>
-          <a:p>
             <a:endParaRPr lang="en-US" altLang="zh-CN" sz="2000" dirty="0"/>
           </a:p>
           <a:p>
-            <a:r>
-              <a:rPr lang="en-US" altLang="zh-CN" sz="2000" dirty="0"/>
+            <a:endParaRPr lang="en-US" altLang="zh-CN" sz="2400" dirty="0"/>
+          </a:p>
+          <a:p>
+            <a:r>
+              <a:rPr lang="en-US" altLang="zh-CN" sz="2400" dirty="0"/>
               <a:t>PCNTL</a:t>
             </a:r>
             <a:r>
-              <a:rPr lang="zh-CN" altLang="en-US" sz="2000" dirty="0"/>
+              <a:rPr lang="zh-CN" altLang="en-US" sz="2400" dirty="0"/>
               <a:t>的信号量定义基本一致，也有一部分新加入的定义，具体可参考</a:t>
             </a:r>
             <a:r>
-              <a:rPr lang="en-US" altLang="zh-CN" sz="2000" dirty="0"/>
+              <a:rPr lang="en-US" altLang="zh-CN" sz="2400" dirty="0"/>
               <a:t>PHP</a:t>
             </a:r>
             <a:r>
-              <a:rPr lang="zh-CN" altLang="en-US" sz="2000" dirty="0"/>
+              <a:rPr lang="zh-CN" altLang="en-US" sz="2400" dirty="0"/>
               <a:t>官方手册。</a:t>
             </a:r>
-            <a:endParaRPr lang="en-US" altLang="zh-CN" sz="2000" dirty="0"/>
+            <a:endParaRPr lang="en-US" altLang="zh-CN" sz="2400" dirty="0"/>
           </a:p>
         </p:txBody>
       </p:sp>
@@ -6033,141 +6027,137 @@
           <a:lstStyle/>
           <a:p>
             <a:r>
+              <a:rPr lang="en-US" altLang="zh-CN" sz="2400" dirty="0" err="1"/>
+              <a:t>pcntl_signal</a:t>
+            </a:r>
+            <a:r>
+              <a:rPr lang="zh-CN" altLang="en-US" sz="2400" dirty="0"/>
+              <a:t>函数用于信号处理回调函数的注册处理。这个函数接受三个参数，第一个参数是要注册的信号量，第二个参数是信号处理回调函数，第三个参数存在</a:t>
+            </a:r>
+            <a:r>
+              <a:rPr lang="en-US" altLang="zh-CN" sz="2400" dirty="0"/>
+              <a:t>bug</a:t>
+            </a:r>
+            <a:r>
+              <a:rPr lang="zh-CN" altLang="en-US" sz="2400" dirty="0"/>
+              <a:t>，并且设置也无效，实际编码并不使用。</a:t>
+            </a:r>
+            <a:endParaRPr lang="en-US" altLang="zh-CN" sz="2400" dirty="0"/>
+          </a:p>
+          <a:p>
+            <a:endParaRPr lang="en-US" altLang="zh-CN" sz="2400" dirty="0"/>
+          </a:p>
+          <a:p>
+            <a:r>
+              <a:rPr lang="zh-CN" altLang="en-US" sz="2400" dirty="0"/>
+              <a:t>目前的</a:t>
+            </a:r>
+            <a:r>
+              <a:rPr lang="en-US" altLang="zh-CN" sz="2400" dirty="0"/>
+              <a:t>PCNTL</a:t>
+            </a:r>
+            <a:r>
+              <a:rPr lang="zh-CN" altLang="en-US" sz="2400" dirty="0"/>
+              <a:t>的信号处理函数使用</a:t>
+            </a:r>
+            <a:r>
+              <a:rPr lang="en-US" altLang="zh-CN" sz="2400" dirty="0"/>
+              <a:t>ticks</a:t>
+            </a:r>
+            <a:r>
+              <a:rPr lang="zh-CN" altLang="en-US" sz="2400" dirty="0"/>
+              <a:t>，要使用</a:t>
+            </a:r>
+            <a:r>
+              <a:rPr lang="en-US" altLang="zh-CN" sz="2400" dirty="0"/>
+              <a:t>declare(ticks=N);</a:t>
+            </a:r>
+            <a:r>
+              <a:rPr lang="zh-CN" altLang="en-US" sz="2400" dirty="0"/>
+              <a:t>才会生效，</a:t>
+            </a:r>
+            <a:r>
+              <a:rPr lang="en-US" altLang="zh-CN" sz="2400" dirty="0"/>
+              <a:t>N</a:t>
+            </a:r>
+            <a:r>
+              <a:rPr lang="zh-CN" altLang="en-US" sz="2400" dirty="0"/>
+              <a:t>是一个整数，表示每执行</a:t>
+            </a:r>
+            <a:r>
+              <a:rPr lang="en-US" altLang="zh-CN" sz="2400" dirty="0"/>
+              <a:t>N</a:t>
+            </a:r>
+            <a:r>
+              <a:rPr lang="zh-CN" altLang="en-US" sz="2400" dirty="0"/>
+              <a:t>条可计时的低级语句，就会检测有无信号事件发生。</a:t>
+            </a:r>
+            <a:endParaRPr lang="en-US" altLang="zh-CN" sz="2400" dirty="0"/>
+          </a:p>
+          <a:p>
+            <a:endParaRPr lang="en-US" altLang="zh-CN" sz="2400" dirty="0"/>
+          </a:p>
+          <a:p>
+            <a:r>
+              <a:rPr lang="zh-CN" altLang="en-US" sz="2400" dirty="0"/>
+              <a:t>注册信号处理程序的用法：</a:t>
+            </a:r>
+            <a:endParaRPr lang="en-US" altLang="zh-CN" sz="2400" dirty="0"/>
+          </a:p>
+          <a:p>
+            <a:pPr lvl="1"/>
+            <a:r>
               <a:rPr lang="en-US" altLang="zh-CN" sz="2000" dirty="0" err="1"/>
               <a:t>pcntl_signal</a:t>
             </a:r>
             <a:r>
+              <a:rPr lang="en-US" altLang="zh-CN" sz="2000" dirty="0"/>
+              <a:t>(SIGINT, ‘</a:t>
+            </a:r>
+            <a:r>
+              <a:rPr lang="en-US" altLang="zh-CN" sz="2000" dirty="0" err="1"/>
+              <a:t>signal_handler</a:t>
+            </a:r>
+            <a:r>
+              <a:rPr lang="en-US" altLang="zh-CN" sz="2000" dirty="0"/>
+              <a:t>’);</a:t>
+            </a:r>
+          </a:p>
+          <a:p>
+            <a:pPr lvl="1"/>
+            <a:r>
+              <a:rPr lang="en-US" altLang="zh-CN" sz="2000" dirty="0" err="1"/>
+              <a:t>pcntl_signal</a:t>
+            </a:r>
+            <a:r>
+              <a:rPr lang="en-US" altLang="zh-CN" sz="2000" dirty="0"/>
+              <a:t>(SIGTERM, function(){……});</a:t>
+            </a:r>
+          </a:p>
+          <a:p>
+            <a:pPr lvl="1"/>
+            <a:r>
+              <a:rPr lang="en-US" altLang="zh-CN" sz="2000" dirty="0" err="1"/>
+              <a:t>pcntl_signal</a:t>
+            </a:r>
+            <a:r>
+              <a:rPr lang="en-US" altLang="zh-CN" sz="2000" dirty="0"/>
+              <a:t>(SIGINT, SIG_IGN); //</a:t>
+            </a:r>
+            <a:r>
               <a:rPr lang="zh-CN" altLang="en-US" sz="2000" dirty="0"/>
-              <a:t>函数用于信号处理回调函数的注册处理。这个函数接受三个参数，第一个参数是要注册的信号量，第二个参数是信号处理回调函数，第三个参数存在</a:t>
+              <a:t>忽略</a:t>
             </a:r>
             <a:r>
               <a:rPr lang="en-US" altLang="zh-CN" sz="2000" dirty="0"/>
-              <a:t>bug</a:t>
+              <a:t>SIGINT</a:t>
             </a:r>
             <a:r>
               <a:rPr lang="zh-CN" altLang="en-US" sz="2000" dirty="0"/>
-              <a:t>，并且设置也无效，实际编码并不使用。</a:t>
-            </a:r>
-            <a:endParaRPr lang="en-US" altLang="zh-CN" sz="2000" dirty="0"/>
-          </a:p>
-          <a:p>
-            <a:endParaRPr lang="en-US" altLang="zh-CN" sz="2000"/>
-          </a:p>
-          <a:p>
-            <a:r>
-              <a:rPr lang="zh-CN" altLang="en-US" sz="2000"/>
-              <a:t>目前</a:t>
-            </a:r>
-            <a:r>
-              <a:rPr lang="zh-CN" altLang="en-US" sz="2000" dirty="0"/>
-              <a:t>的</a:t>
+              <a:t>信号，</a:t>
             </a:r>
             <a:r>
               <a:rPr lang="en-US" altLang="zh-CN" sz="2000" dirty="0"/>
-              <a:t>PCNTL</a:t>
-            </a:r>
-            <a:r>
-              <a:rPr lang="zh-CN" altLang="en-US" sz="2000" dirty="0"/>
-              <a:t>的信号处理函数使用</a:t>
-            </a:r>
-            <a:r>
-              <a:rPr lang="en-US" altLang="zh-CN" sz="2000" dirty="0"/>
-              <a:t>ticks</a:t>
-            </a:r>
-            <a:r>
-              <a:rPr lang="zh-CN" altLang="en-US" sz="2000" dirty="0"/>
-              <a:t>，要使用</a:t>
-            </a:r>
-            <a:r>
-              <a:rPr lang="en-US" altLang="zh-CN" sz="2000" dirty="0"/>
-              <a:t>declare(ticks=N);</a:t>
-            </a:r>
-            <a:r>
-              <a:rPr lang="zh-CN" altLang="en-US" sz="2000" dirty="0"/>
-              <a:t>才会生效，</a:t>
-            </a:r>
-            <a:r>
-              <a:rPr lang="en-US" altLang="zh-CN" sz="2000" dirty="0"/>
-              <a:t>N</a:t>
-            </a:r>
-            <a:r>
-              <a:rPr lang="zh-CN" altLang="en-US" sz="2000" dirty="0"/>
-              <a:t>是一个整数，表示每执行</a:t>
-            </a:r>
-            <a:r>
-              <a:rPr lang="en-US" altLang="zh-CN" sz="2000" dirty="0"/>
-              <a:t>N</a:t>
-            </a:r>
-            <a:r>
-              <a:rPr lang="zh-CN" altLang="en-US" sz="2000" dirty="0"/>
-              <a:t>条可计时的低级语句，就会检测有无信号事件发生。</a:t>
-            </a:r>
-            <a:endParaRPr lang="en-US" altLang="zh-CN" sz="2000" dirty="0"/>
-          </a:p>
-          <a:p>
-            <a:endParaRPr lang="en-US" altLang="zh-CN" sz="2000" dirty="0"/>
-          </a:p>
-          <a:p>
-            <a:r>
-              <a:rPr lang="zh-CN" altLang="en-US" sz="2000" dirty="0"/>
-              <a:t>注册信号处理程序的用法：</a:t>
-            </a:r>
-            <a:endParaRPr lang="en-US" altLang="zh-CN" sz="2000" dirty="0"/>
-          </a:p>
-          <a:p>
-            <a:pPr lvl="1"/>
-            <a:r>
-              <a:rPr lang="en-US" altLang="zh-CN" sz="1800" dirty="0" err="1"/>
-              <a:t>pcntl_signal</a:t>
-            </a:r>
-            <a:r>
-              <a:rPr lang="en-US" altLang="zh-CN" sz="1800" dirty="0"/>
-              <a:t>(SIGINT, ‘</a:t>
-            </a:r>
-            <a:r>
-              <a:rPr lang="en-US" altLang="zh-CN" sz="1800" dirty="0" err="1"/>
-              <a:t>signal_handler</a:t>
-            </a:r>
-            <a:r>
-              <a:rPr lang="en-US" altLang="zh-CN" sz="1800" dirty="0"/>
-              <a:t>’);</a:t>
-            </a:r>
-          </a:p>
-          <a:p>
-            <a:pPr lvl="1"/>
-            <a:r>
-              <a:rPr lang="en-US" altLang="zh-CN" sz="1800" dirty="0" err="1"/>
-              <a:t>pcntl_signal</a:t>
-            </a:r>
-            <a:r>
-              <a:rPr lang="en-US" altLang="zh-CN" sz="1800" dirty="0"/>
-              <a:t>(SIGTERM, function(){……});</a:t>
-            </a:r>
-          </a:p>
-          <a:p>
-            <a:pPr lvl="1"/>
-            <a:r>
-              <a:rPr lang="en-US" altLang="zh-CN" sz="1800" dirty="0" err="1"/>
-              <a:t>pcntl_signal</a:t>
-            </a:r>
-            <a:r>
-              <a:rPr lang="en-US" altLang="zh-CN" sz="1800" dirty="0"/>
-              <a:t>(SIGINT, SIG_IGN); //</a:t>
-            </a:r>
-            <a:r>
-              <a:rPr lang="zh-CN" altLang="en-US" sz="1800" dirty="0"/>
-              <a:t>忽略</a:t>
-            </a:r>
-            <a:r>
-              <a:rPr lang="en-US" altLang="zh-CN" sz="1800" dirty="0"/>
-              <a:t>SIGINT</a:t>
-            </a:r>
-            <a:r>
-              <a:rPr lang="zh-CN" altLang="en-US" sz="1800" dirty="0"/>
-              <a:t>信号，</a:t>
-            </a:r>
-            <a:r>
-              <a:rPr lang="en-US" altLang="zh-CN" sz="1800" dirty="0"/>
               <a:t>SIG_IGN</a:t>
             </a:r>
           </a:p>
@@ -6175,10 +6165,10 @@
             <a:pPr marL="0" indent="0">
               <a:buNone/>
             </a:pPr>
-            <a:endParaRPr lang="en-US" altLang="zh-CN" sz="2000" dirty="0"/>
-          </a:p>
-          <a:p>
-            <a:endParaRPr lang="en-US" altLang="zh-CN" sz="2000" dirty="0"/>
+            <a:endParaRPr lang="en-US" altLang="zh-CN" sz="2400" dirty="0"/>
+          </a:p>
+          <a:p>
+            <a:endParaRPr lang="en-US" altLang="zh-CN" sz="2400" dirty="0"/>
           </a:p>
         </p:txBody>
       </p:sp>
@@ -6708,107 +6698,107 @@
           <a:lstStyle/>
           <a:p>
             <a:r>
-              <a:rPr lang="zh-CN" altLang="en-US" sz="2000" dirty="0"/>
+              <a:rPr lang="zh-CN" altLang="en-US" sz="2400" dirty="0"/>
               <a:t>守护进程是生存期很长的一种进程，通常随系统启动而启动，系统关闭时才终止。</a:t>
             </a:r>
-            <a:endParaRPr lang="en-US" altLang="zh-CN" sz="2000" dirty="0"/>
-          </a:p>
-          <a:p>
-            <a:endParaRPr lang="en-US" altLang="zh-CN" sz="2000" dirty="0"/>
-          </a:p>
-          <a:p>
-            <a:r>
-              <a:rPr lang="zh-CN" altLang="en-US" sz="2000" dirty="0"/>
+            <a:endParaRPr lang="en-US" altLang="zh-CN" sz="2400" dirty="0"/>
+          </a:p>
+          <a:p>
+            <a:endParaRPr lang="en-US" altLang="zh-CN" sz="2400" dirty="0"/>
+          </a:p>
+          <a:p>
+            <a:r>
+              <a:rPr lang="zh-CN" altLang="en-US" sz="2400" dirty="0"/>
               <a:t>守护进程没有控制终端，是在后台运行的。并且父进程是</a:t>
             </a:r>
             <a:r>
-              <a:rPr lang="en-US" altLang="zh-CN" sz="2000" dirty="0" err="1"/>
+              <a:rPr lang="en-US" altLang="zh-CN" sz="2400" dirty="0" err="1"/>
               <a:t>init</a:t>
             </a:r>
             <a:r>
-              <a:rPr lang="zh-CN" altLang="en-US" sz="2000" dirty="0"/>
+              <a:rPr lang="zh-CN" altLang="en-US" sz="2400" dirty="0"/>
               <a:t>。</a:t>
             </a:r>
-            <a:endParaRPr lang="en-US" altLang="zh-CN" sz="2000" dirty="0"/>
-          </a:p>
-          <a:p>
-            <a:endParaRPr lang="en-US" altLang="zh-CN" sz="2000" dirty="0"/>
-          </a:p>
-          <a:p>
-            <a:r>
-              <a:rPr lang="zh-CN" altLang="en-US" sz="2000" dirty="0"/>
+            <a:endParaRPr lang="en-US" altLang="zh-CN" sz="2400" dirty="0"/>
+          </a:p>
+          <a:p>
+            <a:endParaRPr lang="en-US" altLang="zh-CN" sz="2400" dirty="0"/>
+          </a:p>
+          <a:p>
+            <a:r>
+              <a:rPr lang="zh-CN" altLang="en-US" sz="2400" dirty="0"/>
               <a:t>通常在</a:t>
             </a:r>
             <a:r>
-              <a:rPr lang="en-US" altLang="zh-CN" sz="2000" dirty="0"/>
+              <a:rPr lang="en-US" altLang="zh-CN" sz="2400" dirty="0"/>
               <a:t>shell</a:t>
             </a:r>
             <a:r>
-              <a:rPr lang="zh-CN" altLang="en-US" sz="2000" dirty="0"/>
+              <a:rPr lang="zh-CN" altLang="en-US" sz="2400" dirty="0"/>
               <a:t>里面运行一个程序，此程序运行后的父进程是</a:t>
             </a:r>
             <a:r>
-              <a:rPr lang="en-US" altLang="zh-CN" sz="2000" dirty="0"/>
+              <a:rPr lang="en-US" altLang="zh-CN" sz="2400" dirty="0"/>
               <a:t>shell</a:t>
             </a:r>
             <a:r>
-              <a:rPr lang="zh-CN" altLang="en-US" sz="2000" dirty="0"/>
+              <a:rPr lang="zh-CN" altLang="en-US" sz="2400" dirty="0"/>
               <a:t>，一般这时候</a:t>
             </a:r>
             <a:r>
-              <a:rPr lang="en-US" altLang="zh-CN" sz="2000" dirty="0"/>
+              <a:rPr lang="en-US" altLang="zh-CN" sz="2400" dirty="0"/>
               <a:t>shell</a:t>
             </a:r>
             <a:r>
-              <a:rPr lang="zh-CN" altLang="en-US" sz="2000" dirty="0"/>
+              <a:rPr lang="zh-CN" altLang="en-US" sz="2400" dirty="0"/>
               <a:t>会等待子进程运行结束，然后回到命令输入模式等待输入新的命令。</a:t>
             </a:r>
-            <a:endParaRPr lang="en-US" altLang="zh-CN" sz="2000" dirty="0"/>
-          </a:p>
-          <a:p>
-            <a:endParaRPr lang="en-US" altLang="zh-CN" sz="2000" dirty="0"/>
-          </a:p>
-          <a:p>
-            <a:r>
-              <a:rPr lang="zh-CN" altLang="en-US" sz="2000" dirty="0"/>
+            <a:endParaRPr lang="en-US" altLang="zh-CN" sz="2400" dirty="0"/>
+          </a:p>
+          <a:p>
+            <a:endParaRPr lang="en-US" altLang="zh-CN" sz="2400" dirty="0"/>
+          </a:p>
+          <a:p>
+            <a:r>
+              <a:rPr lang="zh-CN" altLang="en-US" sz="2400" dirty="0"/>
               <a:t>如果编程实现守护进程，那就必须要脱离</a:t>
             </a:r>
             <a:r>
-              <a:rPr lang="en-US" altLang="zh-CN" sz="2000" dirty="0"/>
+              <a:rPr lang="en-US" altLang="zh-CN" sz="2400" dirty="0"/>
               <a:t>shell</a:t>
             </a:r>
             <a:r>
-              <a:rPr lang="zh-CN" altLang="en-US" sz="2000" dirty="0"/>
+              <a:rPr lang="zh-CN" altLang="en-US" sz="2400" dirty="0"/>
               <a:t>的控制，并且要把父进程变成</a:t>
             </a:r>
             <a:r>
-              <a:rPr lang="en-US" altLang="zh-CN" sz="2000" dirty="0" err="1"/>
+              <a:rPr lang="en-US" altLang="zh-CN" sz="2400" dirty="0" err="1"/>
               <a:t>init</a:t>
             </a:r>
             <a:r>
-              <a:rPr lang="zh-CN" altLang="en-US" sz="2000" dirty="0"/>
+              <a:rPr lang="zh-CN" altLang="en-US" sz="2400" dirty="0"/>
               <a:t>（父进程</a:t>
             </a:r>
             <a:r>
-              <a:rPr lang="en-US" altLang="zh-CN" sz="2000" dirty="0"/>
+              <a:rPr lang="en-US" altLang="zh-CN" sz="2400" dirty="0"/>
               <a:t>ID</a:t>
             </a:r>
             <a:r>
-              <a:rPr lang="zh-CN" altLang="en-US" sz="2000" dirty="0"/>
+              <a:rPr lang="zh-CN" altLang="en-US" sz="2400" dirty="0"/>
               <a:t>是</a:t>
             </a:r>
             <a:r>
-              <a:rPr lang="en-US" altLang="zh-CN" sz="2000" dirty="0"/>
+              <a:rPr lang="en-US" altLang="zh-CN" sz="2400" dirty="0"/>
               <a:t>1</a:t>
             </a:r>
             <a:r>
-              <a:rPr lang="zh-CN" altLang="en-US" sz="2000" dirty="0"/>
+              <a:rPr lang="zh-CN" altLang="en-US" sz="2400" dirty="0"/>
               <a:t>）。</a:t>
             </a:r>
-            <a:endParaRPr lang="en-US" altLang="zh-CN" sz="2000" dirty="0"/>
-          </a:p>
-          <a:p>
-            <a:endParaRPr lang="en-US" altLang="zh-CN" sz="2000" dirty="0"/>
+            <a:endParaRPr lang="en-US" altLang="zh-CN" sz="2400" dirty="0"/>
+          </a:p>
+          <a:p>
+            <a:endParaRPr lang="en-US" altLang="zh-CN" sz="2400" dirty="0"/>
           </a:p>
         </p:txBody>
       </p:sp>
@@ -7438,117 +7428,117 @@
           <a:lstStyle/>
           <a:p>
             <a:r>
-              <a:rPr lang="zh-CN" altLang="en-US" sz="2000" dirty="0"/>
+              <a:rPr lang="zh-CN" altLang="en-US" sz="2400" dirty="0"/>
               <a:t>运行</a:t>
             </a:r>
             <a:r>
-              <a:rPr lang="en-US" altLang="zh-CN" sz="2000" dirty="0" err="1"/>
+              <a:rPr lang="en-US" altLang="zh-CN" sz="2400" dirty="0" err="1"/>
               <a:t>ps</a:t>
             </a:r>
             <a:r>
-              <a:rPr lang="en-US" altLang="zh-CN" sz="2000" dirty="0"/>
+              <a:rPr lang="en-US" altLang="zh-CN" sz="2400" dirty="0"/>
               <a:t> -o </a:t>
             </a:r>
             <a:r>
-              <a:rPr lang="en-US" altLang="zh-CN" sz="2000" dirty="0" err="1"/>
+              <a:rPr lang="en-US" altLang="zh-CN" sz="2400" dirty="0" err="1"/>
               <a:t>user,pid,ppid,args</a:t>
             </a:r>
             <a:r>
-              <a:rPr lang="en-US" altLang="zh-CN" sz="2000" dirty="0"/>
+              <a:rPr lang="en-US" altLang="zh-CN" sz="2400" dirty="0"/>
               <a:t> -e </a:t>
             </a:r>
             <a:r>
-              <a:rPr lang="zh-CN" altLang="en-US" sz="2000" dirty="0"/>
+              <a:rPr lang="zh-CN" altLang="en-US" sz="2400" dirty="0"/>
               <a:t>查看结果，结果显示会找到类似下面的一行。左边显示是</a:t>
             </a:r>
             <a:r>
-              <a:rPr lang="en-US" altLang="zh-CN" sz="2000" dirty="0" err="1"/>
+              <a:rPr lang="en-US" altLang="zh-CN" sz="2400" dirty="0" err="1"/>
               <a:t>wy</a:t>
             </a:r>
             <a:r>
-              <a:rPr lang="zh-CN" altLang="en-US" sz="2000" dirty="0"/>
+              <a:rPr lang="zh-CN" altLang="en-US" sz="2400" dirty="0"/>
               <a:t>用户，</a:t>
             </a:r>
             <a:r>
-              <a:rPr lang="en-US" altLang="zh-CN" sz="2000" dirty="0"/>
+              <a:rPr lang="en-US" altLang="zh-CN" sz="2400" dirty="0"/>
               <a:t>PID</a:t>
             </a:r>
             <a:r>
-              <a:rPr lang="zh-CN" altLang="en-US" sz="2000" dirty="0"/>
+              <a:rPr lang="zh-CN" altLang="en-US" sz="2400" dirty="0"/>
               <a:t>是</a:t>
             </a:r>
             <a:r>
-              <a:rPr lang="en-US" altLang="zh-CN" sz="2000" dirty="0"/>
+              <a:rPr lang="en-US" altLang="zh-CN" sz="2400" dirty="0"/>
               <a:t>6415</a:t>
             </a:r>
             <a:r>
-              <a:rPr lang="zh-CN" altLang="en-US" sz="2000" dirty="0"/>
+              <a:rPr lang="zh-CN" altLang="en-US" sz="2400" dirty="0"/>
               <a:t>，</a:t>
             </a:r>
             <a:r>
-              <a:rPr lang="en-US" altLang="zh-CN" sz="2000" dirty="0"/>
+              <a:rPr lang="en-US" altLang="zh-CN" sz="2400" dirty="0"/>
               <a:t>PPID</a:t>
             </a:r>
             <a:r>
-              <a:rPr lang="zh-CN" altLang="en-US" sz="2000" dirty="0"/>
+              <a:rPr lang="zh-CN" altLang="en-US" sz="2400" dirty="0"/>
               <a:t>是</a:t>
             </a:r>
             <a:r>
-              <a:rPr lang="en-US" altLang="zh-CN" sz="2000" dirty="0"/>
+              <a:rPr lang="en-US" altLang="zh-CN" sz="2400" dirty="0"/>
               <a:t>1</a:t>
             </a:r>
             <a:r>
-              <a:rPr lang="zh-CN" altLang="en-US" sz="2000" dirty="0"/>
+              <a:rPr lang="zh-CN" altLang="en-US" sz="2400" dirty="0"/>
               <a:t>（父进程</a:t>
             </a:r>
             <a:r>
-              <a:rPr lang="en-US" altLang="zh-CN" sz="2000" dirty="0"/>
+              <a:rPr lang="en-US" altLang="zh-CN" sz="2400" dirty="0"/>
               <a:t>ID</a:t>
             </a:r>
             <a:r>
-              <a:rPr lang="zh-CN" altLang="en-US" sz="2000" dirty="0"/>
+              <a:rPr lang="zh-CN" altLang="en-US" sz="2400" dirty="0"/>
               <a:t>是</a:t>
             </a:r>
             <a:r>
-              <a:rPr lang="en-US" altLang="zh-CN" sz="2000" dirty="0"/>
+              <a:rPr lang="en-US" altLang="zh-CN" sz="2400" dirty="0"/>
               <a:t>1</a:t>
             </a:r>
             <a:r>
-              <a:rPr lang="zh-CN" altLang="en-US" sz="2000" dirty="0"/>
+              <a:rPr lang="zh-CN" altLang="en-US" sz="2400" dirty="0"/>
               <a:t>），然后是运行的命令。</a:t>
             </a:r>
-            <a:endParaRPr lang="en-US" altLang="zh-CN" sz="2000" dirty="0"/>
-          </a:p>
-          <a:p>
-            <a:r>
-              <a:rPr lang="zh-CN" altLang="en-US" sz="2000" dirty="0"/>
+            <a:endParaRPr lang="en-US" altLang="zh-CN" sz="2400" dirty="0"/>
+          </a:p>
+          <a:p>
+            <a:r>
+              <a:rPr lang="zh-CN" altLang="en-US" sz="2400" dirty="0"/>
               <a:t>如果结果太多，可以筛选：</a:t>
             </a:r>
             <a:r>
-              <a:rPr lang="en-US" altLang="zh-CN" sz="2000" dirty="0"/>
+              <a:rPr lang="en-US" altLang="zh-CN" sz="2400" dirty="0"/>
               <a:t> </a:t>
             </a:r>
             <a:r>
-              <a:rPr lang="en-US" altLang="zh-CN" sz="2000" dirty="0" err="1"/>
+              <a:rPr lang="en-US" altLang="zh-CN" sz="2400" dirty="0" err="1"/>
               <a:t>ps</a:t>
             </a:r>
             <a:r>
-              <a:rPr lang="en-US" altLang="zh-CN" sz="2000" dirty="0"/>
+              <a:rPr lang="en-US" altLang="zh-CN" sz="2400" dirty="0"/>
               <a:t> -o </a:t>
             </a:r>
             <a:r>
-              <a:rPr lang="en-US" altLang="zh-CN" sz="2000" dirty="0" err="1"/>
+              <a:rPr lang="en-US" altLang="zh-CN" sz="2400" dirty="0" err="1"/>
               <a:t>user,pid,ppid,args</a:t>
             </a:r>
             <a:r>
-              <a:rPr lang="en-US" altLang="zh-CN" sz="2000" dirty="0"/>
+              <a:rPr lang="en-US" altLang="zh-CN" sz="2400" dirty="0"/>
               <a:t> –e | grep </a:t>
             </a:r>
             <a:r>
-              <a:rPr lang="en-US" altLang="zh-CN" sz="2000" dirty="0" err="1"/>
+              <a:rPr lang="en-US" altLang="zh-CN" sz="2400" dirty="0" err="1"/>
               <a:t>php</a:t>
             </a:r>
-            <a:endParaRPr lang="zh-CN" altLang="en-US" sz="2000" dirty="0"/>
+            <a:endParaRPr lang="zh-CN" altLang="en-US" sz="2400" dirty="0"/>
           </a:p>
         </p:txBody>
       </p:sp>
@@ -7667,7 +7657,7 @@
             <p:ph idx="1"/>
             <p:extLst>
               <p:ext uri="{D42A27DB-BD31-4B8C-83A1-F6EECF244321}">
-                <p14:modId xmlns:p14="http://schemas.microsoft.com/office/powerpoint/2010/main" val="2235232490"/>
+                <p14:modId xmlns:p14="http://schemas.microsoft.com/office/powerpoint/2010/main" val="882786264"/>
               </p:ext>
             </p:extLst>
           </p:nvPr>
@@ -7699,28 +7689,28 @@
                     <a:p>
                       <a:pPr lvl="4" algn="l"/>
                       <a:r>
-                        <a:rPr lang="en-US" altLang="zh-CN" sz="2000" b="0" dirty="0">
+                        <a:rPr lang="en-US" altLang="zh-CN" sz="2400" b="0" dirty="0">
                           <a:latin typeface="汉仪家书简" panose="02010609000101010101" pitchFamily="49" charset="-122"/>
                           <a:ea typeface="汉仪家书简" panose="02010609000101010101" pitchFamily="49" charset="-122"/>
                         </a:rPr>
                         <a:t>PCNTL</a:t>
                       </a:r>
                       <a:r>
-                        <a:rPr lang="zh-CN" altLang="en-US" sz="2000" b="0" dirty="0">
+                        <a:rPr lang="zh-CN" altLang="en-US" sz="2400" b="0" dirty="0">
                           <a:latin typeface="汉仪家书简" panose="02010609000101010101" pitchFamily="49" charset="-122"/>
                           <a:ea typeface="汉仪家书简" panose="02010609000101010101" pitchFamily="49" charset="-122"/>
                         </a:rPr>
                         <a:t>扩展和</a:t>
                       </a:r>
                       <a:r>
-                        <a:rPr lang="en-US" altLang="zh-CN" sz="2000" b="0" dirty="0">
+                        <a:rPr lang="en-US" altLang="zh-CN" sz="2400" b="0" dirty="0">
                           <a:latin typeface="汉仪家书简" panose="02010609000101010101" pitchFamily="49" charset="-122"/>
                           <a:ea typeface="汉仪家书简" panose="02010609000101010101" pitchFamily="49" charset="-122"/>
                         </a:rPr>
                         <a:t>POSIX</a:t>
                       </a:r>
                       <a:r>
-                        <a:rPr lang="zh-CN" altLang="en-US" sz="2000" b="0" dirty="0">
+                        <a:rPr lang="zh-CN" altLang="en-US" sz="2400" b="0" dirty="0">
                           <a:latin typeface="汉仪家书简" panose="02010609000101010101" pitchFamily="49" charset="-122"/>
                           <a:ea typeface="汉仪家书简" panose="02010609000101010101" pitchFamily="49" charset="-122"/>
                         </a:rPr>
@@ -7771,14 +7761,14 @@
                     <a:p>
                       <a:pPr lvl="4" algn="l"/>
                       <a:r>
-                        <a:rPr lang="en-US" altLang="zh-CN" sz="2000" dirty="0">
+                        <a:rPr lang="en-US" altLang="zh-CN" sz="2400" dirty="0">
                           <a:latin typeface="汉仪家书简" panose="02010609000101010101" pitchFamily="49" charset="-122"/>
                           <a:ea typeface="汉仪家书简" panose="02010609000101010101" pitchFamily="49" charset="-122"/>
                         </a:rPr>
                         <a:t>PCNTL</a:t>
                       </a:r>
                       <a:r>
-                        <a:rPr lang="zh-CN" altLang="en-US" sz="2000" dirty="0">
+                        <a:rPr lang="zh-CN" altLang="en-US" sz="2400" dirty="0">
                           <a:latin typeface="汉仪家书简" panose="02010609000101010101" pitchFamily="49" charset="-122"/>
                           <a:ea typeface="汉仪家书简" panose="02010609000101010101" pitchFamily="49" charset="-122"/>
                         </a:rPr>
@@ -7829,7 +7819,7 @@
                     <a:p>
                       <a:pPr lvl="4" algn="l"/>
                       <a:r>
-                        <a:rPr lang="zh-CN" altLang="en-US" sz="2000" dirty="0">
+                        <a:rPr lang="zh-CN" altLang="en-US" sz="2400" dirty="0">
                           <a:latin typeface="汉仪家书简" panose="02010609000101010101" pitchFamily="49" charset="-122"/>
                           <a:ea typeface="汉仪家书简" panose="02010609000101010101" pitchFamily="49" charset="-122"/>
                         </a:rPr>
@@ -8631,130 +8621,130 @@
           <a:lstStyle/>
           <a:p>
             <a:r>
-              <a:rPr lang="zh-CN" altLang="en-US" sz="2000" dirty="0"/>
+              <a:rPr lang="zh-CN" altLang="en-US" sz="2400" dirty="0"/>
               <a:t>使用</a:t>
             </a:r>
             <a:r>
-              <a:rPr lang="en-US" altLang="zh-CN" sz="2000" dirty="0" err="1"/>
+              <a:rPr lang="en-US" altLang="zh-CN" sz="2400" dirty="0" err="1"/>
               <a:t>pcntl_waitpid</a:t>
             </a:r>
             <a:r>
-              <a:rPr lang="zh-CN" altLang="en-US" sz="2000" dirty="0"/>
+              <a:rPr lang="zh-CN" altLang="en-US" sz="2400" dirty="0"/>
               <a:t>挂起当前进程，直到指定的</a:t>
             </a:r>
             <a:r>
-              <a:rPr lang="en-US" altLang="zh-CN" sz="2000" dirty="0"/>
+              <a:rPr lang="en-US" altLang="zh-CN" sz="2400" dirty="0"/>
               <a:t>$</a:t>
             </a:r>
             <a:r>
-              <a:rPr lang="en-US" altLang="zh-CN" sz="2000" dirty="0" err="1"/>
+              <a:rPr lang="en-US" altLang="zh-CN" sz="2400" dirty="0" err="1"/>
               <a:t>pid</a:t>
             </a:r>
             <a:r>
-              <a:rPr lang="zh-CN" altLang="en-US" sz="2000" dirty="0"/>
+              <a:rPr lang="zh-CN" altLang="en-US" sz="2400" dirty="0"/>
               <a:t>进程退出或是被中断。</a:t>
             </a:r>
-            <a:endParaRPr lang="en-US" altLang="zh-CN" sz="2000" dirty="0"/>
-          </a:p>
-          <a:p>
-            <a:r>
-              <a:rPr lang="en-US" altLang="zh-CN" sz="2000" dirty="0" err="1"/>
+            <a:endParaRPr lang="en-US" altLang="zh-CN" sz="2400" dirty="0"/>
+          </a:p>
+          <a:p>
+            <a:r>
+              <a:rPr lang="en-US" altLang="zh-CN" sz="2400" dirty="0" err="1"/>
               <a:t>pcntl_waitpid</a:t>
             </a:r>
             <a:r>
-              <a:rPr lang="zh-CN" altLang="en-US" sz="2000" dirty="0"/>
+              <a:rPr lang="zh-CN" altLang="en-US" sz="2400" dirty="0"/>
               <a:t>接受三个参数，第一个参数是指定的进程</a:t>
             </a:r>
             <a:r>
-              <a:rPr lang="en-US" altLang="zh-CN" sz="2000" dirty="0"/>
+              <a:rPr lang="en-US" altLang="zh-CN" sz="2400" dirty="0"/>
               <a:t>ID</a:t>
             </a:r>
             <a:r>
-              <a:rPr lang="zh-CN" altLang="en-US" sz="2000" dirty="0"/>
+              <a:rPr lang="zh-CN" altLang="en-US" sz="2400" dirty="0"/>
               <a:t>：</a:t>
             </a:r>
             <a:r>
-              <a:rPr lang="en-US" altLang="zh-CN" sz="2000" dirty="0"/>
+              <a:rPr lang="en-US" altLang="zh-CN" sz="2400" dirty="0"/>
               <a:t>$</a:t>
             </a:r>
             <a:r>
-              <a:rPr lang="en-US" altLang="zh-CN" sz="2000" dirty="0" err="1"/>
+              <a:rPr lang="en-US" altLang="zh-CN" sz="2400" dirty="0" err="1"/>
               <a:t>pid</a:t>
             </a:r>
             <a:r>
-              <a:rPr lang="zh-CN" altLang="en-US" sz="2000" dirty="0"/>
+              <a:rPr lang="zh-CN" altLang="en-US" sz="2400" dirty="0"/>
               <a:t>，第二个参数是引用传递一个整型变量保存进程退出状态码。第三个参数</a:t>
             </a:r>
             <a:r>
-              <a:rPr lang="en-US" altLang="zh-CN" sz="2000" dirty="0"/>
+              <a:rPr lang="en-US" altLang="zh-CN" sz="2400" dirty="0"/>
               <a:t>$options</a:t>
             </a:r>
             <a:r>
-              <a:rPr lang="zh-CN" altLang="en-US" sz="2000" dirty="0"/>
+              <a:rPr lang="zh-CN" altLang="en-US" sz="2400" dirty="0"/>
               <a:t>在提供</a:t>
             </a:r>
             <a:r>
-              <a:rPr lang="en-US" altLang="zh-CN" sz="2000" dirty="0"/>
+              <a:rPr lang="en-US" altLang="zh-CN" sz="2400" dirty="0"/>
               <a:t>wait3</a:t>
             </a:r>
             <a:r>
-              <a:rPr lang="zh-CN" altLang="en-US" sz="2000" dirty="0"/>
+              <a:rPr lang="zh-CN" altLang="en-US" sz="2400" dirty="0"/>
               <a:t>系统调用的平台上才有效。</a:t>
             </a:r>
             <a:r>
-              <a:rPr lang="en-US" altLang="zh-CN" sz="2000" dirty="0"/>
+              <a:rPr lang="en-US" altLang="zh-CN" sz="2400" dirty="0"/>
               <a:t>$options</a:t>
             </a:r>
             <a:r>
-              <a:rPr lang="zh-CN" altLang="en-US" sz="2000" dirty="0"/>
+              <a:rPr lang="zh-CN" altLang="en-US" sz="2400" dirty="0"/>
               <a:t>可以是</a:t>
             </a:r>
             <a:r>
-              <a:rPr lang="en-US" altLang="zh-CN" sz="2000" dirty="0"/>
+              <a:rPr lang="en-US" altLang="zh-CN" sz="2400" dirty="0"/>
               <a:t>0</a:t>
             </a:r>
             <a:r>
-              <a:rPr lang="zh-CN" altLang="en-US" sz="2000" dirty="0"/>
+              <a:rPr lang="zh-CN" altLang="en-US" sz="2400" dirty="0"/>
               <a:t>，或者是：</a:t>
             </a:r>
-            <a:endParaRPr lang="en-US" altLang="zh-CN" sz="2000" dirty="0"/>
-          </a:p>
-          <a:p>
-            <a:endParaRPr lang="en-US" altLang="zh-CN" sz="2000" dirty="0"/>
-          </a:p>
-          <a:p>
-            <a:endParaRPr lang="en-US" altLang="zh-CN" sz="2000" dirty="0"/>
-          </a:p>
-          <a:p>
-            <a:endParaRPr lang="en-US" altLang="zh-CN" sz="2000" dirty="0"/>
-          </a:p>
-          <a:p>
-            <a:endParaRPr lang="en-US" altLang="zh-CN" sz="2000" dirty="0"/>
-          </a:p>
-          <a:p>
-            <a:r>
-              <a:rPr lang="zh-CN" altLang="en-US" sz="2000" dirty="0"/>
+            <a:endParaRPr lang="en-US" altLang="zh-CN" sz="2400" dirty="0"/>
+          </a:p>
+          <a:p>
+            <a:endParaRPr lang="en-US" altLang="zh-CN" sz="2400" dirty="0"/>
+          </a:p>
+          <a:p>
+            <a:endParaRPr lang="en-US" altLang="zh-CN" sz="2400" dirty="0"/>
+          </a:p>
+          <a:p>
+            <a:endParaRPr lang="en-US" altLang="zh-CN" sz="2400" dirty="0"/>
+          </a:p>
+          <a:p>
+            <a:endParaRPr lang="en-US" altLang="zh-CN" sz="2400" dirty="0"/>
+          </a:p>
+          <a:p>
+            <a:r>
+              <a:rPr lang="zh-CN" altLang="en-US" sz="2400" dirty="0"/>
               <a:t>使用方法：</a:t>
             </a:r>
             <a:r>
-              <a:rPr lang="en-US" altLang="zh-CN" sz="2000" dirty="0" err="1"/>
+              <a:rPr lang="en-US" altLang="zh-CN" sz="2400" dirty="0" err="1"/>
               <a:t>pcntl_waitpid</a:t>
             </a:r>
             <a:r>
-              <a:rPr lang="en-US" altLang="zh-CN" sz="2000" dirty="0"/>
+              <a:rPr lang="en-US" altLang="zh-CN" sz="2400" dirty="0"/>
               <a:t>($</a:t>
             </a:r>
             <a:r>
-              <a:rPr lang="en-US" altLang="zh-CN" sz="2000" dirty="0" err="1"/>
+              <a:rPr lang="en-US" altLang="zh-CN" sz="2400" dirty="0" err="1"/>
               <a:t>pid</a:t>
             </a:r>
             <a:r>
-              <a:rPr lang="en-US" altLang="zh-CN" sz="2000" dirty="0"/>
+              <a:rPr lang="en-US" altLang="zh-CN" sz="2400" dirty="0"/>
               <a:t>, $status);</a:t>
             </a:r>
           </a:p>
           <a:p>
-            <a:endParaRPr lang="en-US" altLang="zh-CN" sz="2000" dirty="0"/>
+            <a:endParaRPr lang="en-US" altLang="zh-CN" sz="2400" dirty="0"/>
           </a:p>
         </p:txBody>
       </p:sp>
@@ -8773,28 +8763,28 @@
           <p:nvPr>
             <p:extLst>
               <p:ext uri="{D42A27DB-BD31-4B8C-83A1-F6EECF244321}">
-                <p14:modId xmlns:p14="http://schemas.microsoft.com/office/powerpoint/2010/main" val="3734814768"/>
+                <p14:modId xmlns:p14="http://schemas.microsoft.com/office/powerpoint/2010/main" val="768238763"/>
               </p:ext>
             </p:extLst>
           </p:nvPr>
         </p:nvGraphicFramePr>
         <p:xfrm>
-          <a:off x="1404151" y="3338004"/>
-          <a:ext cx="9081858" cy="985422"/>
+          <a:off x="1404150" y="3338003"/>
+          <a:ext cx="9155412" cy="1154865"/>
         </p:xfrm>
         <a:graphic>
           <a:graphicData uri="http://schemas.openxmlformats.org/drawingml/2006/table">
             <a:tbl>
               <a:tblPr/>
               <a:tblGrid>
-                <a:gridCol w="4540929">
+                <a:gridCol w="4577706">
                   <a:extLst>
                     <a:ext uri="{9D8B030D-6E8A-4147-A177-3AD203B41FA5}">
                       <a16:colId xmlns:a16="http://schemas.microsoft.com/office/drawing/2014/main" val="435944470"/>
                     </a:ext>
                   </a:extLst>
                 </a:gridCol>
-                <a:gridCol w="4540929">
+                <a:gridCol w="4577706">
                   <a:extLst>
                     <a:ext uri="{9D8B030D-6E8A-4147-A177-3AD203B41FA5}">
                       <a16:colId xmlns:a16="http://schemas.microsoft.com/office/drawing/2014/main" val="1918962670"/>
@@ -8802,7 +8792,7 @@
                   </a:extLst>
                 </a:gridCol>
               </a:tblGrid>
-              <a:tr h="451342">
+              <a:tr h="528950">
                 <a:tc>
                   <a:txBody>
                     <a:bodyPr/>
@@ -8862,7 +8852,7 @@
                   </a:ext>
                 </a:extLst>
               </a:tr>
-              <a:tr h="534080">
+              <a:tr h="625915">
                 <a:tc>
                   <a:txBody>
                     <a:bodyPr/>
@@ -9017,79 +9007,114 @@
         </p:spPr>
         <p:txBody>
           <a:bodyPr>
-            <a:normAutofit/>
+            <a:noAutofit/>
           </a:bodyPr>
           <a:lstStyle/>
           <a:p>
             <a:r>
+              <a:rPr lang="en-US" altLang="zh-CN" sz="2400" dirty="0"/>
+              <a:t>POSIX</a:t>
+            </a:r>
+            <a:r>
+              <a:rPr lang="zh-CN" altLang="en-US" sz="2400" dirty="0"/>
+              <a:t>扩展是对实现</a:t>
+            </a:r>
+            <a:r>
+              <a:rPr lang="en-US" altLang="zh-CN" sz="2400" dirty="0"/>
+              <a:t>POSIX</a:t>
+            </a:r>
+            <a:r>
+              <a:rPr lang="zh-CN" altLang="en-US" sz="2400" dirty="0"/>
+              <a:t>标准的系统调用接口的封装，此扩展只能在</a:t>
+            </a:r>
+            <a:r>
+              <a:rPr lang="en-US" altLang="zh-CN" sz="2400" dirty="0"/>
+              <a:t>Linux/Unix</a:t>
+            </a:r>
+            <a:r>
+              <a:rPr lang="zh-CN" altLang="en-US" sz="2400" dirty="0"/>
+              <a:t>平台上使用，</a:t>
+            </a:r>
+            <a:r>
+              <a:rPr lang="en-US" altLang="zh-CN" sz="2400" dirty="0"/>
+              <a:t>Windows</a:t>
+            </a:r>
+            <a:r>
+              <a:rPr lang="zh-CN" altLang="en-US" sz="2400" dirty="0"/>
+              <a:t>上不可用。</a:t>
+            </a:r>
+            <a:endParaRPr lang="en-US" altLang="zh-CN" sz="2400" dirty="0"/>
+          </a:p>
+          <a:p>
+            <a:r>
+              <a:rPr lang="zh-CN" altLang="en-US" sz="2400" dirty="0"/>
+              <a:t>扩展依赖：</a:t>
+            </a:r>
+            <a:r>
+              <a:rPr lang="en-US" altLang="zh-CN" sz="2400" dirty="0"/>
+              <a:t>POSIX</a:t>
+            </a:r>
+            <a:r>
+              <a:rPr lang="zh-CN" altLang="en-US" sz="2400" dirty="0"/>
+              <a:t>扩展不依赖其他扩展。</a:t>
+            </a:r>
+            <a:endParaRPr lang="en-US" altLang="zh-CN" sz="2400" dirty="0"/>
+          </a:p>
+          <a:p>
+            <a:r>
+              <a:rPr lang="zh-CN" altLang="en-US" sz="2400" dirty="0"/>
+              <a:t>安装：编译</a:t>
+            </a:r>
+            <a:r>
+              <a:rPr lang="en-US" altLang="zh-CN" sz="2400" dirty="0"/>
+              <a:t>PHP</a:t>
+            </a:r>
+            <a:r>
+              <a:rPr lang="zh-CN" altLang="en-US" sz="2400" dirty="0"/>
+              <a:t>的时候，默认开</a:t>
+            </a:r>
+            <a:r>
+              <a:rPr lang="en-US" altLang="zh-CN" sz="2400" dirty="0"/>
+              <a:t>--enable-</a:t>
+            </a:r>
+            <a:r>
+              <a:rPr lang="en-US" altLang="zh-CN" sz="2400" dirty="0" err="1"/>
+              <a:t>posix</a:t>
+            </a:r>
+            <a:r>
+              <a:rPr lang="zh-CN" altLang="en-US" sz="2400" dirty="0"/>
+              <a:t>。</a:t>
+            </a:r>
+            <a:endParaRPr lang="en-US" altLang="zh-CN" sz="2400" dirty="0"/>
+          </a:p>
+          <a:p>
+            <a:r>
+              <a:rPr lang="en-US" altLang="zh-CN" sz="2400" dirty="0"/>
+              <a:t>POSIX</a:t>
+            </a:r>
+            <a:r>
+              <a:rPr lang="zh-CN" altLang="en-US" sz="2400" dirty="0"/>
+              <a:t>扩展函数概览：</a:t>
+            </a:r>
+            <a:endParaRPr lang="en-US" altLang="zh-CN" sz="2400" dirty="0"/>
+          </a:p>
+          <a:p>
+            <a:pPr lvl="1"/>
+            <a:r>
+              <a:rPr lang="en-US" altLang="zh-CN" sz="2000" dirty="0" err="1"/>
+              <a:t>posix_getpid</a:t>
+            </a:r>
+            <a:r>
               <a:rPr lang="en-US" altLang="zh-CN" sz="2000" dirty="0"/>
-              <a:t>POSIX</a:t>
+              <a:t>          </a:t>
             </a:r>
             <a:r>
               <a:rPr lang="zh-CN" altLang="en-US" sz="2000" dirty="0"/>
-              <a:t>扩展是对实现</a:t>
+              <a:t>：获取当前进程的进程</a:t>
             </a:r>
             <a:r>
               <a:rPr lang="en-US" altLang="zh-CN" sz="2000" dirty="0"/>
-              <a:t>POSIX</a:t>
-            </a:r>
-            <a:r>
-              <a:rPr lang="zh-CN" altLang="en-US" sz="2000" dirty="0"/>
-              <a:t>标准的系统调用接口的封装，此扩展只能在</a:t>
-            </a:r>
-            <a:r>
-              <a:rPr lang="en-US" altLang="zh-CN" sz="2000" dirty="0"/>
-              <a:t>Linux/Unix</a:t>
-            </a:r>
-            <a:r>
-              <a:rPr lang="zh-CN" altLang="en-US" sz="2000" dirty="0"/>
-              <a:t>平台上使用，</a:t>
-            </a:r>
-            <a:r>
-              <a:rPr lang="en-US" altLang="zh-CN" sz="2000" dirty="0"/>
-              <a:t>Windows</a:t>
-            </a:r>
-            <a:r>
-              <a:rPr lang="zh-CN" altLang="en-US" sz="2000" dirty="0"/>
-              <a:t>上不可用。</a:t>
-            </a:r>
-            <a:endParaRPr lang="en-US" altLang="zh-CN" sz="2000" dirty="0"/>
-          </a:p>
-          <a:p>
-            <a:r>
-              <a:rPr lang="zh-CN" altLang="en-US" sz="2000" dirty="0"/>
-              <a:t>扩展依赖：</a:t>
-            </a:r>
-            <a:r>
-              <a:rPr lang="en-US" altLang="zh-CN" sz="2000" dirty="0"/>
-              <a:t>POSIX</a:t>
-            </a:r>
-            <a:r>
-              <a:rPr lang="zh-CN" altLang="en-US" sz="2000" dirty="0"/>
-              <a:t>扩展不依赖其他扩展。</a:t>
-            </a:r>
-            <a:endParaRPr lang="en-US" altLang="zh-CN" sz="2000" dirty="0"/>
-          </a:p>
-          <a:p>
-            <a:r>
-              <a:rPr lang="zh-CN" altLang="en-US" sz="2000" dirty="0"/>
-              <a:t>安装：编译</a:t>
-            </a:r>
-            <a:r>
-              <a:rPr lang="en-US" altLang="zh-CN" sz="2000" dirty="0"/>
-              <a:t>PHP</a:t>
-            </a:r>
-            <a:r>
-              <a:rPr lang="zh-CN" altLang="en-US" sz="2000" dirty="0"/>
-              <a:t>的时候，默认开</a:t>
-            </a:r>
-            <a:r>
-              <a:rPr lang="en-US" altLang="zh-CN" sz="2000" dirty="0"/>
-              <a:t>--enable-</a:t>
-            </a:r>
-            <a:r>
-              <a:rPr lang="en-US" altLang="zh-CN" sz="2000" dirty="0" err="1"/>
-              <a:t>posix</a:t>
+              <a:t>ID</a:t>
             </a:r>
             <a:r>
               <a:rPr lang="zh-CN" altLang="en-US" sz="2000" dirty="0"/>
@@ -9098,162 +9123,102 @@
             <a:endParaRPr lang="en-US" altLang="zh-CN" sz="2000" dirty="0"/>
           </a:p>
           <a:p>
+            <a:pPr lvl="1"/>
+            <a:r>
+              <a:rPr lang="en-US" altLang="zh-CN" sz="2000" dirty="0" err="1"/>
+              <a:t>posix_getcwd</a:t>
+            </a:r>
             <a:r>
               <a:rPr lang="en-US" altLang="zh-CN" sz="2000" dirty="0"/>
+              <a:t>         </a:t>
+            </a:r>
+            <a:r>
+              <a:rPr lang="zh-CN" altLang="en-US" sz="2000" dirty="0"/>
+              <a:t>：返回当前进程的工作目录。</a:t>
+            </a:r>
+            <a:endParaRPr lang="en-US" altLang="zh-CN" sz="2000" dirty="0"/>
+          </a:p>
+          <a:p>
+            <a:pPr lvl="1"/>
+            <a:r>
+              <a:rPr lang="en-US" altLang="zh-CN" sz="2000" dirty="0" err="1"/>
+              <a:t>posix_kill</a:t>
+            </a:r>
+            <a:r>
+              <a:rPr lang="en-US" altLang="zh-CN" sz="2000" dirty="0"/>
+              <a:t>                </a:t>
+            </a:r>
+            <a:r>
+              <a:rPr lang="zh-CN" altLang="en-US" sz="2000" dirty="0"/>
+              <a:t>：向一个进程发送信号。</a:t>
+            </a:r>
+            <a:endParaRPr lang="en-US" altLang="zh-CN" sz="2000" dirty="0"/>
+          </a:p>
+          <a:p>
+            <a:pPr lvl="1"/>
+            <a:r>
+              <a:rPr lang="en-US" altLang="zh-CN" sz="2000" dirty="0" err="1"/>
+              <a:t>posix_setsid</a:t>
+            </a:r>
+            <a:r>
+              <a:rPr lang="en-US" altLang="zh-CN" sz="2000" dirty="0"/>
+              <a:t>           </a:t>
+            </a:r>
+            <a:r>
+              <a:rPr lang="zh-CN" altLang="en-US" sz="2000" dirty="0"/>
+              <a:t>：给当前进程分配一个</a:t>
+            </a:r>
+            <a:r>
+              <a:rPr lang="en-US" altLang="zh-CN" sz="2000" dirty="0"/>
+              <a:t>session leader</a:t>
+            </a:r>
+            <a:r>
+              <a:rPr lang="zh-CN" altLang="en-US" sz="2000" dirty="0"/>
+              <a:t>。</a:t>
+            </a:r>
+            <a:endParaRPr lang="en-US" altLang="zh-CN" sz="2000" dirty="0"/>
+          </a:p>
+          <a:p>
+            <a:pPr lvl="1"/>
+            <a:r>
+              <a:rPr lang="en-US" altLang="zh-CN" sz="2000" dirty="0" err="1"/>
+              <a:t>posix_uname</a:t>
+            </a:r>
+            <a:r>
+              <a:rPr lang="en-US" altLang="zh-CN" sz="2000" dirty="0"/>
+              <a:t>         </a:t>
+            </a:r>
+            <a:r>
+              <a:rPr lang="zh-CN" altLang="en-US" sz="2000" dirty="0"/>
+              <a:t>：获取系统名称。</a:t>
+            </a:r>
+            <a:endParaRPr lang="en-US" altLang="zh-CN" sz="2000" dirty="0"/>
+          </a:p>
+          <a:p>
+            <a:pPr lvl="1"/>
+            <a:r>
+              <a:rPr lang="en-US" altLang="zh-CN" sz="2000" dirty="0"/>
+              <a:t>······</a:t>
+            </a:r>
+          </a:p>
+          <a:p>
+            <a:r>
+              <a:rPr lang="en-US" altLang="zh-CN" sz="2400" dirty="0"/>
+              <a:t>PCNTL</a:t>
+            </a:r>
+            <a:r>
+              <a:rPr lang="zh-CN" altLang="en-US" sz="2400" dirty="0"/>
+              <a:t>扩展和</a:t>
+            </a:r>
+            <a:r>
+              <a:rPr lang="en-US" altLang="zh-CN" sz="2400" dirty="0"/>
               <a:t>POSIX</a:t>
             </a:r>
             <a:r>
-              <a:rPr lang="zh-CN" altLang="en-US" sz="2000" dirty="0"/>
-              <a:t>扩展函数概览：</a:t>
-            </a:r>
-            <a:endParaRPr lang="en-US" altLang="zh-CN" sz="2000" dirty="0"/>
-          </a:p>
-          <a:p>
-            <a:pPr lvl="1"/>
-            <a:r>
-              <a:rPr lang="en-US" altLang="zh-CN" sz="1800" dirty="0" err="1"/>
-              <a:t>posix_getpid</a:t>
-            </a:r>
-            <a:r>
-              <a:rPr lang="en-US" altLang="zh-CN" sz="1800" dirty="0"/>
-              <a:t>          </a:t>
-            </a:r>
-            <a:r>
-              <a:rPr lang="zh-CN" altLang="en-US" sz="1800" dirty="0"/>
-              <a:t>：获取当前进程的进程</a:t>
-            </a:r>
-            <a:r>
-              <a:rPr lang="en-US" altLang="zh-CN" sz="1800" dirty="0"/>
-              <a:t>ID</a:t>
-            </a:r>
-            <a:r>
-              <a:rPr lang="zh-CN" altLang="en-US" sz="1800" dirty="0"/>
-              <a:t>。</a:t>
-            </a:r>
-            <a:endParaRPr lang="en-US" altLang="zh-CN" sz="1800" dirty="0"/>
-          </a:p>
-          <a:p>
-            <a:pPr lvl="1"/>
-            <a:r>
-              <a:rPr lang="en-US" altLang="zh-CN" sz="1800" dirty="0" err="1"/>
-              <a:t>posix_getppid</a:t>
-            </a:r>
-            <a:r>
-              <a:rPr lang="en-US" altLang="zh-CN" sz="1800" dirty="0"/>
-              <a:t>        </a:t>
-            </a:r>
-            <a:r>
-              <a:rPr lang="zh-CN" altLang="en-US" sz="1800" dirty="0"/>
-              <a:t>：获取当前进程的父进程的进程</a:t>
-            </a:r>
-            <a:r>
-              <a:rPr lang="en-US" altLang="zh-CN" sz="1800" dirty="0"/>
-              <a:t>ID</a:t>
-            </a:r>
-            <a:r>
-              <a:rPr lang="zh-CN" altLang="en-US" sz="1800" dirty="0"/>
-              <a:t>。</a:t>
-            </a:r>
-            <a:endParaRPr lang="en-US" altLang="zh-CN" sz="1800" dirty="0"/>
-          </a:p>
-          <a:p>
-            <a:pPr lvl="1"/>
-            <a:r>
-              <a:rPr lang="en-US" altLang="zh-CN" sz="1800" dirty="0" err="1"/>
-              <a:t>posix_getcwd</a:t>
-            </a:r>
-            <a:r>
-              <a:rPr lang="en-US" altLang="zh-CN" sz="1800" dirty="0"/>
-              <a:t>         </a:t>
-            </a:r>
-            <a:r>
-              <a:rPr lang="zh-CN" altLang="en-US" sz="1800" dirty="0"/>
-              <a:t>：返回当前进程的工作目录。</a:t>
-            </a:r>
-            <a:endParaRPr lang="en-US" altLang="zh-CN" sz="1800" dirty="0"/>
-          </a:p>
-          <a:p>
-            <a:pPr lvl="1"/>
-            <a:r>
-              <a:rPr lang="en-US" altLang="zh-CN" sz="1800" dirty="0" err="1"/>
-              <a:t>posix_kill</a:t>
-            </a:r>
-            <a:r>
-              <a:rPr lang="en-US" altLang="zh-CN" sz="1800" dirty="0"/>
-              <a:t>                </a:t>
-            </a:r>
-            <a:r>
-              <a:rPr lang="zh-CN" altLang="en-US" sz="1800" dirty="0"/>
-              <a:t>：向一个进程发送信号。</a:t>
-            </a:r>
-            <a:endParaRPr lang="en-US" altLang="zh-CN" sz="1800" dirty="0"/>
-          </a:p>
-          <a:p>
-            <a:pPr lvl="1"/>
-            <a:r>
-              <a:rPr lang="en-US" altLang="zh-CN" sz="1800" dirty="0" err="1"/>
-              <a:t>posix_setsid</a:t>
-            </a:r>
-            <a:r>
-              <a:rPr lang="en-US" altLang="zh-CN" sz="1800" dirty="0"/>
-              <a:t>           </a:t>
-            </a:r>
-            <a:r>
-              <a:rPr lang="zh-CN" altLang="en-US" sz="1800" dirty="0"/>
-              <a:t>：给当前进程分配一个</a:t>
-            </a:r>
-            <a:r>
-              <a:rPr lang="en-US" altLang="zh-CN" sz="1800" dirty="0"/>
-              <a:t>session leader</a:t>
-            </a:r>
-            <a:r>
-              <a:rPr lang="zh-CN" altLang="en-US" sz="1800" dirty="0"/>
-              <a:t>。</a:t>
-            </a:r>
-            <a:endParaRPr lang="en-US" altLang="zh-CN" sz="1800" dirty="0"/>
-          </a:p>
-          <a:p>
-            <a:pPr lvl="1"/>
-            <a:r>
-              <a:rPr lang="en-US" altLang="zh-CN" sz="1800" dirty="0" err="1"/>
-              <a:t>posix_uname</a:t>
-            </a:r>
-            <a:r>
-              <a:rPr lang="en-US" altLang="zh-CN" sz="1800" dirty="0"/>
-              <a:t>         </a:t>
-            </a:r>
-            <a:r>
-              <a:rPr lang="zh-CN" altLang="en-US" sz="1800" dirty="0"/>
-              <a:t>：获取系统名称。</a:t>
-            </a:r>
-            <a:endParaRPr lang="en-US" altLang="zh-CN" sz="1800" dirty="0"/>
-          </a:p>
-          <a:p>
-            <a:pPr lvl="1"/>
-            <a:r>
-              <a:rPr lang="en-US" altLang="zh-CN" sz="1800" dirty="0"/>
-              <a:t>······</a:t>
-            </a:r>
-            <a:endParaRPr lang="en-US" altLang="zh-CN" sz="2000" dirty="0"/>
-          </a:p>
-          <a:p>
-            <a:r>
-              <a:rPr lang="en-US" altLang="zh-CN" sz="2000" dirty="0"/>
-              <a:t>PCNTL</a:t>
-            </a:r>
-            <a:r>
-              <a:rPr lang="zh-CN" altLang="en-US" sz="2000" dirty="0"/>
-              <a:t>扩展和</a:t>
-            </a:r>
-            <a:r>
-              <a:rPr lang="en-US" altLang="zh-CN" sz="2000" dirty="0"/>
-              <a:t>POSIX</a:t>
-            </a:r>
-            <a:r>
-              <a:rPr lang="zh-CN" altLang="en-US" sz="2000" dirty="0"/>
+              <a:rPr lang="zh-CN" altLang="en-US" sz="2400" dirty="0"/>
               <a:t>扩展往往要配合使用。</a:t>
             </a:r>
-            <a:endParaRPr lang="en-US" altLang="zh-CN" sz="2000" dirty="0"/>
+            <a:endParaRPr lang="en-US" altLang="zh-CN" sz="2400" dirty="0"/>
           </a:p>
         </p:txBody>
       </p:sp>
